--- a/kr_011.tu.pptx
+++ b/kr_011.tu.pptx
@@ -8,15 +8,18 @@
     <p:sldId id="256" r:id="rId2"/>
     <p:sldId id="266" r:id="rId3"/>
     <p:sldId id="267" r:id="rId4"/>
-    <p:sldId id="257" r:id="rId5"/>
-    <p:sldId id="258" r:id="rId6"/>
-    <p:sldId id="259" r:id="rId7"/>
-    <p:sldId id="260" r:id="rId8"/>
-    <p:sldId id="261" r:id="rId9"/>
-    <p:sldId id="262" r:id="rId10"/>
-    <p:sldId id="263" r:id="rId11"/>
-    <p:sldId id="264" r:id="rId12"/>
-    <p:sldId id="265" r:id="rId13"/>
+    <p:sldId id="270" r:id="rId5"/>
+    <p:sldId id="268" r:id="rId6"/>
+    <p:sldId id="269" r:id="rId7"/>
+    <p:sldId id="257" r:id="rId8"/>
+    <p:sldId id="258" r:id="rId9"/>
+    <p:sldId id="259" r:id="rId10"/>
+    <p:sldId id="260" r:id="rId11"/>
+    <p:sldId id="261" r:id="rId12"/>
+    <p:sldId id="262" r:id="rId13"/>
+    <p:sldId id="263" r:id="rId14"/>
+    <p:sldId id="264" r:id="rId15"/>
+    <p:sldId id="265" r:id="rId16"/>
   </p:sldIdLst>
   <p:sldSz cx="12192000" cy="6858000"/>
   <p:notesSz cx="6858000" cy="9144000"/>
@@ -117,7 +120,18 @@
   </p:defaultTextStyle>
   <p:extLst>
     <p:ext uri="{EFAFB233-063F-42B5-8137-9DF3F51BA10A}">
-      <p15:sldGuideLst xmlns:p15="http://schemas.microsoft.com/office/powerpoint/2012/main" xmlns=""/>
+      <p15:sldGuideLst xmlns:p15="http://schemas.microsoft.com/office/powerpoint/2012/main">
+        <p15:guide id="1" orient="horz" pos="2160">
+          <p15:clr>
+            <a:srgbClr val="A4A3A4"/>
+          </p15:clr>
+        </p15:guide>
+        <p15:guide id="2" pos="3840">
+          <p15:clr>
+            <a:srgbClr val="A4A3A4"/>
+          </p15:clr>
+        </p15:guide>
+      </p15:sldGuideLst>
     </p:ext>
   </p:extLst>
 </p:presentation>
@@ -6035,7 +6049,7 @@
           <p:cNvPr id="2" name="Title 1">
             <a:extLst>
               <a:ext uri="{FF2B5EF4-FFF2-40B4-BE49-F238E27FC236}">
-                <a16:creationId xmlns:a16="http://schemas.microsoft.com/office/drawing/2014/main" xmlns="" id="{5A0C3399-F567-791B-0710-799A01B724B5}"/>
+                <a16:creationId xmlns:a16="http://schemas.microsoft.com/office/drawing/2014/main" id="{5A0C3399-F567-791B-0710-799A01B724B5}"/>
               </a:ext>
             </a:extLst>
           </p:cNvPr>
@@ -6063,7 +6077,7 @@
           <p:cNvPr id="3" name="Subtitle 2">
             <a:extLst>
               <a:ext uri="{FF2B5EF4-FFF2-40B4-BE49-F238E27FC236}">
-                <a16:creationId xmlns:a16="http://schemas.microsoft.com/office/drawing/2014/main" xmlns="" id="{CB9E784D-2F80-095B-6987-2E70329EF15D}"/>
+                <a16:creationId xmlns:a16="http://schemas.microsoft.com/office/drawing/2014/main" id="{CB9E784D-2F80-095B-6987-2E70329EF15D}"/>
               </a:ext>
             </a:extLst>
           </p:cNvPr>
@@ -6102,41 +6116,21 @@
           <a:p>
             <a:pPr algn="l"/>
             <a:r>
-              <a:rPr lang="bg-BG" dirty="0" smtClean="0"/>
-              <a:t>Преподаватели</a:t>
-            </a:r>
-            <a:r>
-              <a:rPr lang="bg-BG" dirty="0" smtClean="0"/>
-              <a:t>: гл. </a:t>
-            </a:r>
-            <a:r>
-              <a:rPr lang="bg-BG" dirty="0" smtClean="0"/>
-              <a:t>ас. д-р инж. </a:t>
-            </a:r>
-            <a:r>
-              <a:rPr lang="bg-BG" dirty="0" smtClean="0"/>
-              <a:t>Кирил Копаранов</a:t>
+              <a:rPr lang="bg-BG" dirty="0"/>
+              <a:t>Преподаватели: гл. ас. д-р инж. Кирил Копаранов</a:t>
             </a:r>
           </a:p>
           <a:p>
             <a:pPr algn="l"/>
             <a:r>
-              <a:rPr lang="bg-BG" dirty="0" smtClean="0"/>
-              <a:t>Доц. д-р. </a:t>
-            </a:r>
-            <a:r>
               <a:rPr lang="bg-BG" dirty="0"/>
-              <a:t>и</a:t>
-            </a:r>
-            <a:r>
-              <a:rPr lang="bg-BG" dirty="0" smtClean="0"/>
-              <a:t>нж. </a:t>
-            </a:r>
-            <a:r>
-              <a:rPr lang="bg-BG" smtClean="0"/>
+              <a:t>Доц. д-р. инж. </a:t>
+            </a:r>
+            <a:r>
+              <a:rPr lang="bg-BG"/>
               <a:t>Даниела Минковска</a:t>
             </a:r>
-            <a:endParaRPr lang="bg-BG" dirty="0" smtClean="0"/>
+            <a:endParaRPr lang="bg-BG" dirty="0"/>
           </a:p>
           <a:p>
             <a:pPr algn="l"/>
@@ -6149,7 +6143,7 @@
           <p:cNvPr id="4" name="Picture 3">
             <a:extLst>
               <a:ext uri="{FF2B5EF4-FFF2-40B4-BE49-F238E27FC236}">
-                <a16:creationId xmlns:a16="http://schemas.microsoft.com/office/drawing/2014/main" xmlns="" id="{5DC9F635-4C7B-CF9F-363E-F7AC03B7C27A}"/>
+                <a16:creationId xmlns:a16="http://schemas.microsoft.com/office/drawing/2014/main" id="{5DC9F635-4C7B-CF9F-363E-F7AC03B7C27A}"/>
               </a:ext>
             </a:extLst>
           </p:cNvPr>
@@ -6206,10 +6200,10 @@
       </p:grpSpPr>
       <p:pic>
         <p:nvPicPr>
-          <p:cNvPr id="5" name="Content Placeholder 4">
+          <p:cNvPr id="6" name="Content Placeholder 5">
             <a:extLst>
               <a:ext uri="{FF2B5EF4-FFF2-40B4-BE49-F238E27FC236}">
-                <a16:creationId xmlns:a16="http://schemas.microsoft.com/office/drawing/2014/main" xmlns="" id="{0E811D46-E34C-064C-E23B-A38F949B1FE8}"/>
+                <a16:creationId xmlns:a16="http://schemas.microsoft.com/office/drawing/2014/main" id="{A518AB56-B34E-55F1-EE97-8BE465FB6CE3}"/>
               </a:ext>
             </a:extLst>
           </p:cNvPr>
@@ -6228,8 +6222,8 @@
         </p:blipFill>
         <p:spPr>
           <a:xfrm>
-            <a:off x="2292096" y="2288341"/>
-            <a:ext cx="6129528" cy="2599433"/>
+            <a:off x="1721110" y="2300850"/>
+            <a:ext cx="7743946" cy="2810645"/>
           </a:xfrm>
           <a:prstGeom prst="rect">
             <a:avLst/>
@@ -6238,10 +6232,10 @@
       </p:pic>
       <p:sp>
         <p:nvSpPr>
-          <p:cNvPr id="8" name="Rectangle 7">
+          <p:cNvPr id="10" name="Rectangle 9">
             <a:extLst>
               <a:ext uri="{FF2B5EF4-FFF2-40B4-BE49-F238E27FC236}">
-                <a16:creationId xmlns:a16="http://schemas.microsoft.com/office/drawing/2014/main" xmlns="" id="{2945A960-904E-3D7F-BCA0-F9BD5A2E73F3}"/>
+                <a16:creationId xmlns:a16="http://schemas.microsoft.com/office/drawing/2014/main" id="{3BE37B7F-AFD2-C0E9-576B-38F30C3467E3}"/>
               </a:ext>
             </a:extLst>
           </p:cNvPr>
@@ -6250,8 +6244,8 @@
         </p:nvSpPr>
         <p:spPr>
           <a:xfrm>
-            <a:off x="2734948" y="873359"/>
-            <a:ext cx="5654048" cy="707886"/>
+            <a:off x="1528509" y="750250"/>
+            <a:ext cx="8129149" cy="646331"/>
           </a:xfrm>
           <a:prstGeom prst="rect">
             <a:avLst/>
@@ -6266,7 +6260,7 @@
           <a:p>
             <a:pPr algn="ctr"/>
             <a:r>
-              <a:rPr lang="bg-BG" sz="4000" b="1" kern="100" cap="none" spc="0" dirty="0">
+              <a:rPr lang="bg-BG" sz="3600" b="1" dirty="0">
                 <a:ln w="22225">
                   <a:solidFill>
                     <a:schemeClr val="accent2"/>
@@ -6276,14 +6270,10 @@
                 <a:solidFill>
                   <a:srgbClr val="C00000"/>
                 </a:solidFill>
-                <a:effectLst/>
-                <a:latin typeface="Calibri" panose="020F0502020204030204" pitchFamily="34" charset="0"/>
-                <a:ea typeface="Calibri" panose="020F0502020204030204" pitchFamily="34" charset="0"/>
-                <a:cs typeface="Times New Roman" panose="02020603050405020304" pitchFamily="18" charset="0"/>
               </a:rPr>
-              <a:t>Изтриване на  масивите </a:t>
-            </a:r>
-            <a:endParaRPr lang="bg-BG" sz="4000" b="1" cap="none" spc="0" dirty="0">
+              <a:t>Преброяване размера на масива ни</a:t>
+            </a:r>
+            <a:endParaRPr lang="en-US" sz="3600" b="1" cap="none" spc="0" dirty="0">
               <a:ln w="22225">
                 <a:solidFill>
                   <a:schemeClr val="accent2"/>
@@ -6301,7 +6291,7 @@
     </p:spTree>
     <p:extLst>
       <p:ext uri="{BB962C8B-B14F-4D97-AF65-F5344CB8AC3E}">
-        <p14:creationId xmlns:p14="http://schemas.microsoft.com/office/powerpoint/2010/main" val="2525027266"/>
+        <p14:creationId xmlns:p14="http://schemas.microsoft.com/office/powerpoint/2010/main" val="951015411"/>
       </p:ext>
     </p:extLst>
   </p:cSld>
@@ -6333,7 +6323,7 @@
           <p:cNvPr id="4" name="Content Placeholder 3">
             <a:extLst>
               <a:ext uri="{FF2B5EF4-FFF2-40B4-BE49-F238E27FC236}">
-                <a16:creationId xmlns:a16="http://schemas.microsoft.com/office/drawing/2014/main" xmlns="" id="{87A2FE30-7890-0244-D0F8-483178449F2F}"/>
+                <a16:creationId xmlns:a16="http://schemas.microsoft.com/office/drawing/2014/main" id="{03A25ED2-7697-837D-DED1-57259405E9FC}"/>
               </a:ext>
             </a:extLst>
           </p:cNvPr>
@@ -6352,8 +6342,8 @@
         </p:blipFill>
         <p:spPr>
           <a:xfrm>
-            <a:off x="1271474" y="1933635"/>
-            <a:ext cx="8944737" cy="4076287"/>
+            <a:off x="1992056" y="2268506"/>
+            <a:ext cx="6846672" cy="3007582"/>
           </a:xfrm>
           <a:prstGeom prst="rect">
             <a:avLst/>
@@ -6365,7 +6355,7 @@
           <p:cNvPr id="5" name="Rectangle 4">
             <a:extLst>
               <a:ext uri="{FF2B5EF4-FFF2-40B4-BE49-F238E27FC236}">
-                <a16:creationId xmlns:a16="http://schemas.microsoft.com/office/drawing/2014/main" xmlns="" id="{7A033E7D-CFF0-1CD2-5B35-41E6C011BBEB}"/>
+                <a16:creationId xmlns:a16="http://schemas.microsoft.com/office/drawing/2014/main" id="{FC3C2288-A655-DD5C-D13D-F08B86966C42}"/>
               </a:ext>
             </a:extLst>
           </p:cNvPr>
@@ -6374,8 +6364,8 @@
         </p:nvSpPr>
         <p:spPr>
           <a:xfrm>
-            <a:off x="1356135" y="1010305"/>
-            <a:ext cx="8775416" cy="595932"/>
+            <a:off x="2386584" y="668747"/>
+            <a:ext cx="6958584" cy="646331"/>
           </a:xfrm>
           <a:prstGeom prst="rect">
             <a:avLst/>
@@ -6383,21 +6373,14 @@
           <a:noFill/>
         </p:spPr>
         <p:txBody>
-          <a:bodyPr wrap="none" lIns="91440" tIns="45720" rIns="91440" bIns="45720">
+          <a:bodyPr wrap="square" lIns="91440" tIns="45720" rIns="91440" bIns="45720">
             <a:spAutoFit/>
           </a:bodyPr>
           <a:lstStyle/>
           <a:p>
-            <a:pPr>
-              <a:lnSpc>
-                <a:spcPct val="107000"/>
-              </a:lnSpc>
-              <a:spcAft>
-                <a:spcPts val="800"/>
-              </a:spcAft>
-            </a:pPr>
-            <a:r>
-              <a:rPr lang="bg-BG" sz="3200" b="1" kern="100" dirty="0">
+            <a:pPr algn="ctr"/>
+            <a:r>
+              <a:rPr lang="bg-BG" sz="3600" b="1" cap="none" spc="0" dirty="0">
                 <a:ln w="22225">
                   <a:solidFill>
                     <a:schemeClr val="accent2"/>
@@ -6407,45 +6390,11 @@
                 <a:solidFill>
                   <a:srgbClr val="C00000"/>
                 </a:solidFill>
-                <a:latin typeface="Calibri" panose="020F0502020204030204" pitchFamily="34" charset="0"/>
-                <a:ea typeface="Calibri" panose="020F0502020204030204" pitchFamily="34" charset="0"/>
-                <a:cs typeface="Times New Roman" panose="02020603050405020304" pitchFamily="18" charset="0"/>
+                <a:effectLst/>
               </a:rPr>
-              <a:t>Изходните данни и резултатът от нашата задача</a:t>
-            </a:r>
-          </a:p>
-        </p:txBody>
-      </p:sp>
-      <p:sp>
-        <p:nvSpPr>
-          <p:cNvPr id="2" name="Rectangle 1">
-            <a:extLst>
-              <a:ext uri="{FF2B5EF4-FFF2-40B4-BE49-F238E27FC236}">
-                <a16:creationId xmlns:a16="http://schemas.microsoft.com/office/drawing/2014/main" xmlns="" id="{9AFE8AE6-4263-F41C-5320-3AC3F80AF44C}"/>
-              </a:ext>
-            </a:extLst>
-          </p:cNvPr>
-          <p:cNvSpPr/>
-          <p:nvPr/>
-        </p:nvSpPr>
-        <p:spPr>
-          <a:xfrm>
-            <a:off x="6003634" y="2967335"/>
-            <a:ext cx="184730" cy="923330"/>
-          </a:xfrm>
-          <a:prstGeom prst="rect">
-            <a:avLst/>
-          </a:prstGeom>
-          <a:noFill/>
-        </p:spPr>
-        <p:txBody>
-          <a:bodyPr wrap="none" lIns="91440" tIns="45720" rIns="91440" bIns="45720">
-            <a:spAutoFit/>
-          </a:bodyPr>
-          <a:lstStyle/>
-          <a:p>
-            <a:pPr algn="ctr"/>
-            <a:endParaRPr lang="bg-BG" sz="5400" b="1" cap="none" spc="0" dirty="0">
+              <a:t>Добавяме числата към масива</a:t>
+            </a:r>
+            <a:endParaRPr lang="en-US" sz="3600" b="1" cap="none" spc="0" dirty="0">
               <a:ln w="22225">
                 <a:solidFill>
                   <a:schemeClr val="accent2"/>
@@ -6453,10 +6402,7 @@
                 <a:prstDash val="solid"/>
               </a:ln>
               <a:solidFill>
-                <a:schemeClr val="accent2">
-                  <a:lumMod val="40000"/>
-                  <a:lumOff val="60000"/>
-                </a:schemeClr>
+                <a:srgbClr val="C00000"/>
               </a:solidFill>
               <a:effectLst/>
             </a:endParaRPr>
@@ -6466,7 +6412,7 @@
     </p:spTree>
     <p:extLst>
       <p:ext uri="{BB962C8B-B14F-4D97-AF65-F5344CB8AC3E}">
-        <p14:creationId xmlns:p14="http://schemas.microsoft.com/office/powerpoint/2010/main" val="3560984470"/>
+        <p14:creationId xmlns:p14="http://schemas.microsoft.com/office/powerpoint/2010/main" val="617240322"/>
       </p:ext>
     </p:extLst>
   </p:cSld>
@@ -6493,12 +6439,453 @@
           <a:chExt cx="0" cy="0"/>
         </a:xfrm>
       </p:grpSpPr>
+      <p:pic>
+        <p:nvPicPr>
+          <p:cNvPr id="6" name="Content Placeholder 5">
+            <a:extLst>
+              <a:ext uri="{FF2B5EF4-FFF2-40B4-BE49-F238E27FC236}">
+                <a16:creationId xmlns:a16="http://schemas.microsoft.com/office/drawing/2014/main" id="{CF2F30AB-5E86-5632-87B7-3B409A5050A0}"/>
+              </a:ext>
+            </a:extLst>
+          </p:cNvPr>
+          <p:cNvPicPr>
+            <a:picLocks noGrp="1" noChangeAspect="1"/>
+          </p:cNvPicPr>
+          <p:nvPr>
+            <p:ph idx="1"/>
+          </p:nvPr>
+        </p:nvPicPr>
+        <p:blipFill>
+          <a:blip r:embed="rId2"/>
+          <a:stretch>
+            <a:fillRect/>
+          </a:stretch>
+        </p:blipFill>
+        <p:spPr>
+          <a:xfrm>
+            <a:off x="2273046" y="2677175"/>
+            <a:ext cx="6688074" cy="2466104"/>
+          </a:xfrm>
+          <a:prstGeom prst="rect">
+            <a:avLst/>
+          </a:prstGeom>
+        </p:spPr>
+      </p:pic>
+      <p:sp>
+        <p:nvSpPr>
+          <p:cNvPr id="7" name="Rectangle 6">
+            <a:extLst>
+              <a:ext uri="{FF2B5EF4-FFF2-40B4-BE49-F238E27FC236}">
+                <a16:creationId xmlns:a16="http://schemas.microsoft.com/office/drawing/2014/main" id="{4807844D-0E6D-9DEF-8E9A-6708542D9A38}"/>
+              </a:ext>
+            </a:extLst>
+          </p:cNvPr>
+          <p:cNvSpPr/>
+          <p:nvPr/>
+        </p:nvSpPr>
+        <p:spPr>
+          <a:xfrm>
+            <a:off x="879732" y="909935"/>
+            <a:ext cx="10432536" cy="595932"/>
+          </a:xfrm>
+          <a:prstGeom prst="rect">
+            <a:avLst/>
+          </a:prstGeom>
+          <a:noFill/>
+        </p:spPr>
+        <p:txBody>
+          <a:bodyPr wrap="none" lIns="91440" tIns="45720" rIns="91440" bIns="45720">
+            <a:spAutoFit/>
+          </a:bodyPr>
+          <a:lstStyle/>
+          <a:p>
+            <a:pPr>
+              <a:lnSpc>
+                <a:spcPct val="107000"/>
+              </a:lnSpc>
+              <a:spcAft>
+                <a:spcPts val="800"/>
+              </a:spcAft>
+            </a:pPr>
+            <a:r>
+              <a:rPr lang="bg-BG" sz="3200" b="1" kern="100" dirty="0">
+                <a:ln w="22225">
+                  <a:solidFill>
+                    <a:schemeClr val="accent2"/>
+                  </a:solidFill>
+                  <a:prstDash val="solid"/>
+                </a:ln>
+                <a:solidFill>
+                  <a:srgbClr val="C00000"/>
+                </a:solidFill>
+                <a:latin typeface="Calibri" panose="020F0502020204030204" pitchFamily="34" charset="0"/>
+                <a:ea typeface="Calibri" panose="020F0502020204030204" pitchFamily="34" charset="0"/>
+                <a:cs typeface="Times New Roman" panose="02020603050405020304" pitchFamily="18" charset="0"/>
+              </a:rPr>
+              <a:t>Използваме </a:t>
+            </a:r>
+            <a:r>
+              <a:rPr lang="en-US" sz="3200" b="1" kern="100" dirty="0">
+                <a:ln w="22225">
+                  <a:solidFill>
+                    <a:schemeClr val="accent2"/>
+                  </a:solidFill>
+                  <a:prstDash val="solid"/>
+                </a:ln>
+                <a:solidFill>
+                  <a:srgbClr val="C00000"/>
+                </a:solidFill>
+                <a:latin typeface="Calibri" panose="020F0502020204030204" pitchFamily="34" charset="0"/>
+                <a:ea typeface="Calibri" panose="020F0502020204030204" pitchFamily="34" charset="0"/>
+                <a:cs typeface="Times New Roman" panose="02020603050405020304" pitchFamily="18" charset="0"/>
+              </a:rPr>
+              <a:t>Bubble Sort</a:t>
+            </a:r>
+            <a:r>
+              <a:rPr lang="bg-BG" sz="3200" b="1" kern="100" dirty="0">
+                <a:ln w="22225">
+                  <a:solidFill>
+                    <a:schemeClr val="accent2"/>
+                  </a:solidFill>
+                  <a:prstDash val="solid"/>
+                </a:ln>
+                <a:solidFill>
+                  <a:srgbClr val="C00000"/>
+                </a:solidFill>
+                <a:latin typeface="Calibri" panose="020F0502020204030204" pitchFamily="34" charset="0"/>
+                <a:ea typeface="Calibri" panose="020F0502020204030204" pitchFamily="34" charset="0"/>
+                <a:cs typeface="Times New Roman" panose="02020603050405020304" pitchFamily="18" charset="0"/>
+              </a:rPr>
+              <a:t>, за да го подредим  по-големина</a:t>
+            </a:r>
+          </a:p>
+        </p:txBody>
+      </p:sp>
+    </p:spTree>
+    <p:extLst>
+      <p:ext uri="{BB962C8B-B14F-4D97-AF65-F5344CB8AC3E}">
+        <p14:creationId xmlns:p14="http://schemas.microsoft.com/office/powerpoint/2010/main" val="2528564687"/>
+      </p:ext>
+    </p:extLst>
+  </p:cSld>
+  <p:clrMapOvr>
+    <a:masterClrMapping/>
+  </p:clrMapOvr>
+</p:sld>
+</file>
+
+<file path=ppt/slides/slide13.xml><?xml version="1.0" encoding="utf-8"?>
+<p:sld xmlns:a="http://schemas.openxmlformats.org/drawingml/2006/main" xmlns:r="http://schemas.openxmlformats.org/officeDocument/2006/relationships" xmlns:p="http://schemas.openxmlformats.org/presentationml/2006/main">
+  <p:cSld>
+    <p:spTree>
+      <p:nvGrpSpPr>
+        <p:cNvPr id="1" name=""/>
+        <p:cNvGrpSpPr/>
+        <p:nvPr/>
+      </p:nvGrpSpPr>
+      <p:grpSpPr>
+        <a:xfrm>
+          <a:off x="0" y="0"/>
+          <a:ext cx="0" cy="0"/>
+          <a:chOff x="0" y="0"/>
+          <a:chExt cx="0" cy="0"/>
+        </a:xfrm>
+      </p:grpSpPr>
+      <p:pic>
+        <p:nvPicPr>
+          <p:cNvPr id="5" name="Content Placeholder 4">
+            <a:extLst>
+              <a:ext uri="{FF2B5EF4-FFF2-40B4-BE49-F238E27FC236}">
+                <a16:creationId xmlns:a16="http://schemas.microsoft.com/office/drawing/2014/main" id="{0E811D46-E34C-064C-E23B-A38F949B1FE8}"/>
+              </a:ext>
+            </a:extLst>
+          </p:cNvPr>
+          <p:cNvPicPr>
+            <a:picLocks noGrp="1" noChangeAspect="1"/>
+          </p:cNvPicPr>
+          <p:nvPr>
+            <p:ph idx="1"/>
+          </p:nvPr>
+        </p:nvPicPr>
+        <p:blipFill>
+          <a:blip r:embed="rId2"/>
+          <a:stretch>
+            <a:fillRect/>
+          </a:stretch>
+        </p:blipFill>
+        <p:spPr>
+          <a:xfrm>
+            <a:off x="2292096" y="2288341"/>
+            <a:ext cx="6129528" cy="2599433"/>
+          </a:xfrm>
+          <a:prstGeom prst="rect">
+            <a:avLst/>
+          </a:prstGeom>
+        </p:spPr>
+      </p:pic>
+      <p:sp>
+        <p:nvSpPr>
+          <p:cNvPr id="8" name="Rectangle 7">
+            <a:extLst>
+              <a:ext uri="{FF2B5EF4-FFF2-40B4-BE49-F238E27FC236}">
+                <a16:creationId xmlns:a16="http://schemas.microsoft.com/office/drawing/2014/main" id="{2945A960-904E-3D7F-BCA0-F9BD5A2E73F3}"/>
+              </a:ext>
+            </a:extLst>
+          </p:cNvPr>
+          <p:cNvSpPr/>
+          <p:nvPr/>
+        </p:nvSpPr>
+        <p:spPr>
+          <a:xfrm>
+            <a:off x="2734948" y="873359"/>
+            <a:ext cx="5654048" cy="707886"/>
+          </a:xfrm>
+          <a:prstGeom prst="rect">
+            <a:avLst/>
+          </a:prstGeom>
+          <a:noFill/>
+        </p:spPr>
+        <p:txBody>
+          <a:bodyPr wrap="none" lIns="91440" tIns="45720" rIns="91440" bIns="45720">
+            <a:spAutoFit/>
+          </a:bodyPr>
+          <a:lstStyle/>
+          <a:p>
+            <a:pPr algn="ctr"/>
+            <a:r>
+              <a:rPr lang="bg-BG" sz="4000" b="1" kern="100" cap="none" spc="0" dirty="0">
+                <a:ln w="22225">
+                  <a:solidFill>
+                    <a:schemeClr val="accent2"/>
+                  </a:solidFill>
+                  <a:prstDash val="solid"/>
+                </a:ln>
+                <a:solidFill>
+                  <a:srgbClr val="C00000"/>
+                </a:solidFill>
+                <a:effectLst/>
+                <a:latin typeface="Calibri" panose="020F0502020204030204" pitchFamily="34" charset="0"/>
+                <a:ea typeface="Calibri" panose="020F0502020204030204" pitchFamily="34" charset="0"/>
+                <a:cs typeface="Times New Roman" panose="02020603050405020304" pitchFamily="18" charset="0"/>
+              </a:rPr>
+              <a:t>Изтриване на  масивите </a:t>
+            </a:r>
+            <a:endParaRPr lang="bg-BG" sz="4000" b="1" cap="none" spc="0" dirty="0">
+              <a:ln w="22225">
+                <a:solidFill>
+                  <a:schemeClr val="accent2"/>
+                </a:solidFill>
+                <a:prstDash val="solid"/>
+              </a:ln>
+              <a:solidFill>
+                <a:srgbClr val="C00000"/>
+              </a:solidFill>
+              <a:effectLst/>
+            </a:endParaRPr>
+          </a:p>
+        </p:txBody>
+      </p:sp>
+    </p:spTree>
+    <p:extLst>
+      <p:ext uri="{BB962C8B-B14F-4D97-AF65-F5344CB8AC3E}">
+        <p14:creationId xmlns:p14="http://schemas.microsoft.com/office/powerpoint/2010/main" val="2525027266"/>
+      </p:ext>
+    </p:extLst>
+  </p:cSld>
+  <p:clrMapOvr>
+    <a:masterClrMapping/>
+  </p:clrMapOvr>
+</p:sld>
+</file>
+
+<file path=ppt/slides/slide14.xml><?xml version="1.0" encoding="utf-8"?>
+<p:sld xmlns:a="http://schemas.openxmlformats.org/drawingml/2006/main" xmlns:r="http://schemas.openxmlformats.org/officeDocument/2006/relationships" xmlns:p="http://schemas.openxmlformats.org/presentationml/2006/main">
+  <p:cSld>
+    <p:spTree>
+      <p:nvGrpSpPr>
+        <p:cNvPr id="1" name=""/>
+        <p:cNvGrpSpPr/>
+        <p:nvPr/>
+      </p:nvGrpSpPr>
+      <p:grpSpPr>
+        <a:xfrm>
+          <a:off x="0" y="0"/>
+          <a:ext cx="0" cy="0"/>
+          <a:chOff x="0" y="0"/>
+          <a:chExt cx="0" cy="0"/>
+        </a:xfrm>
+      </p:grpSpPr>
+      <p:pic>
+        <p:nvPicPr>
+          <p:cNvPr id="4" name="Content Placeholder 3">
+            <a:extLst>
+              <a:ext uri="{FF2B5EF4-FFF2-40B4-BE49-F238E27FC236}">
+                <a16:creationId xmlns:a16="http://schemas.microsoft.com/office/drawing/2014/main" id="{87A2FE30-7890-0244-D0F8-483178449F2F}"/>
+              </a:ext>
+            </a:extLst>
+          </p:cNvPr>
+          <p:cNvPicPr>
+            <a:picLocks noGrp="1" noChangeAspect="1"/>
+          </p:cNvPicPr>
+          <p:nvPr>
+            <p:ph idx="1"/>
+          </p:nvPr>
+        </p:nvPicPr>
+        <p:blipFill>
+          <a:blip r:embed="rId2"/>
+          <a:stretch>
+            <a:fillRect/>
+          </a:stretch>
+        </p:blipFill>
+        <p:spPr>
+          <a:xfrm>
+            <a:off x="1271474" y="1933635"/>
+            <a:ext cx="8944737" cy="4076287"/>
+          </a:xfrm>
+          <a:prstGeom prst="rect">
+            <a:avLst/>
+          </a:prstGeom>
+        </p:spPr>
+      </p:pic>
+      <p:sp>
+        <p:nvSpPr>
+          <p:cNvPr id="5" name="Rectangle 4">
+            <a:extLst>
+              <a:ext uri="{FF2B5EF4-FFF2-40B4-BE49-F238E27FC236}">
+                <a16:creationId xmlns:a16="http://schemas.microsoft.com/office/drawing/2014/main" id="{7A033E7D-CFF0-1CD2-5B35-41E6C011BBEB}"/>
+              </a:ext>
+            </a:extLst>
+          </p:cNvPr>
+          <p:cNvSpPr/>
+          <p:nvPr/>
+        </p:nvSpPr>
+        <p:spPr>
+          <a:xfrm>
+            <a:off x="1356135" y="1010305"/>
+            <a:ext cx="8775416" cy="595932"/>
+          </a:xfrm>
+          <a:prstGeom prst="rect">
+            <a:avLst/>
+          </a:prstGeom>
+          <a:noFill/>
+        </p:spPr>
+        <p:txBody>
+          <a:bodyPr wrap="none" lIns="91440" tIns="45720" rIns="91440" bIns="45720">
+            <a:spAutoFit/>
+          </a:bodyPr>
+          <a:lstStyle/>
+          <a:p>
+            <a:pPr>
+              <a:lnSpc>
+                <a:spcPct val="107000"/>
+              </a:lnSpc>
+              <a:spcAft>
+                <a:spcPts val="800"/>
+              </a:spcAft>
+            </a:pPr>
+            <a:r>
+              <a:rPr lang="bg-BG" sz="3200" b="1" kern="100" dirty="0">
+                <a:ln w="22225">
+                  <a:solidFill>
+                    <a:schemeClr val="accent2"/>
+                  </a:solidFill>
+                  <a:prstDash val="solid"/>
+                </a:ln>
+                <a:solidFill>
+                  <a:srgbClr val="C00000"/>
+                </a:solidFill>
+                <a:latin typeface="Calibri" panose="020F0502020204030204" pitchFamily="34" charset="0"/>
+                <a:ea typeface="Calibri" panose="020F0502020204030204" pitchFamily="34" charset="0"/>
+                <a:cs typeface="Times New Roman" panose="02020603050405020304" pitchFamily="18" charset="0"/>
+              </a:rPr>
+              <a:t>Изходните данни и резултатът от нашата задача</a:t>
+            </a:r>
+          </a:p>
+        </p:txBody>
+      </p:sp>
+      <p:sp>
+        <p:nvSpPr>
+          <p:cNvPr id="2" name="Rectangle 1">
+            <a:extLst>
+              <a:ext uri="{FF2B5EF4-FFF2-40B4-BE49-F238E27FC236}">
+                <a16:creationId xmlns:a16="http://schemas.microsoft.com/office/drawing/2014/main" id="{9AFE8AE6-4263-F41C-5320-3AC3F80AF44C}"/>
+              </a:ext>
+            </a:extLst>
+          </p:cNvPr>
+          <p:cNvSpPr/>
+          <p:nvPr/>
+        </p:nvSpPr>
+        <p:spPr>
+          <a:xfrm>
+            <a:off x="6003634" y="2967335"/>
+            <a:ext cx="184730" cy="923330"/>
+          </a:xfrm>
+          <a:prstGeom prst="rect">
+            <a:avLst/>
+          </a:prstGeom>
+          <a:noFill/>
+        </p:spPr>
+        <p:txBody>
+          <a:bodyPr wrap="none" lIns="91440" tIns="45720" rIns="91440" bIns="45720">
+            <a:spAutoFit/>
+          </a:bodyPr>
+          <a:lstStyle/>
+          <a:p>
+            <a:pPr algn="ctr"/>
+            <a:endParaRPr lang="bg-BG" sz="5400" b="1" cap="none" spc="0" dirty="0">
+              <a:ln w="22225">
+                <a:solidFill>
+                  <a:schemeClr val="accent2"/>
+                </a:solidFill>
+                <a:prstDash val="solid"/>
+              </a:ln>
+              <a:solidFill>
+                <a:schemeClr val="accent2">
+                  <a:lumMod val="40000"/>
+                  <a:lumOff val="60000"/>
+                </a:schemeClr>
+              </a:solidFill>
+              <a:effectLst/>
+            </a:endParaRPr>
+          </a:p>
+        </p:txBody>
+      </p:sp>
+    </p:spTree>
+    <p:extLst>
+      <p:ext uri="{BB962C8B-B14F-4D97-AF65-F5344CB8AC3E}">
+        <p14:creationId xmlns:p14="http://schemas.microsoft.com/office/powerpoint/2010/main" val="3560984470"/>
+      </p:ext>
+    </p:extLst>
+  </p:cSld>
+  <p:clrMapOvr>
+    <a:masterClrMapping/>
+  </p:clrMapOvr>
+</p:sld>
+</file>
+
+<file path=ppt/slides/slide15.xml><?xml version="1.0" encoding="utf-8"?>
+<p:sld xmlns:a="http://schemas.openxmlformats.org/drawingml/2006/main" xmlns:r="http://schemas.openxmlformats.org/officeDocument/2006/relationships" xmlns:p="http://schemas.openxmlformats.org/presentationml/2006/main">
+  <p:cSld>
+    <p:spTree>
+      <p:nvGrpSpPr>
+        <p:cNvPr id="1" name=""/>
+        <p:cNvGrpSpPr/>
+        <p:nvPr/>
+      </p:nvGrpSpPr>
+      <p:grpSpPr>
+        <a:xfrm>
+          <a:off x="0" y="0"/>
+          <a:ext cx="0" cy="0"/>
+          <a:chOff x="0" y="0"/>
+          <a:chExt cx="0" cy="0"/>
+        </a:xfrm>
+      </p:grpSpPr>
       <p:sp>
         <p:nvSpPr>
           <p:cNvPr id="2" name="Title 1">
             <a:extLst>
               <a:ext uri="{FF2B5EF4-FFF2-40B4-BE49-F238E27FC236}">
-                <a16:creationId xmlns:a16="http://schemas.microsoft.com/office/drawing/2014/main" xmlns="" id="{9E886D99-49F9-4C85-1ED5-0636E81FBE88}"/>
+                <a16:creationId xmlns:a16="http://schemas.microsoft.com/office/drawing/2014/main" id="{9E886D99-49F9-4C85-1ED5-0636E81FBE88}"/>
               </a:ext>
             </a:extLst>
           </p:cNvPr>
@@ -6530,7 +6917,7 @@
           <p:cNvPr id="1026" name="Picture 2" descr="Does More Money Really Make Us More Happy?">
             <a:extLst>
               <a:ext uri="{FF2B5EF4-FFF2-40B4-BE49-F238E27FC236}">
-                <a16:creationId xmlns:a16="http://schemas.microsoft.com/office/drawing/2014/main" xmlns="" id="{55342A2F-C493-6D4E-0A48-EB511A9C19C2}"/>
+                <a16:creationId xmlns:a16="http://schemas.microsoft.com/office/drawing/2014/main" id="{55342A2F-C493-6D4E-0A48-EB511A9C19C2}"/>
               </a:ext>
             </a:extLst>
           </p:cNvPr>
@@ -6609,7 +6996,7 @@
           <p:cNvPr id="2" name="Title 1">
             <a:extLst>
               <a:ext uri="{FF2B5EF4-FFF2-40B4-BE49-F238E27FC236}">
-                <a16:creationId xmlns:a16="http://schemas.microsoft.com/office/drawing/2014/main" xmlns="" id="{3EF60BFE-43B0-8DD5-73FE-AD9E71364C8B}"/>
+                <a16:creationId xmlns:a16="http://schemas.microsoft.com/office/drawing/2014/main" id="{3EF60BFE-43B0-8DD5-73FE-AD9E71364C8B}"/>
               </a:ext>
             </a:extLst>
           </p:cNvPr>
@@ -6653,7 +7040,7 @@
           <p:cNvPr id="3" name="Content Placeholder 2">
             <a:extLst>
               <a:ext uri="{FF2B5EF4-FFF2-40B4-BE49-F238E27FC236}">
-                <a16:creationId xmlns:a16="http://schemas.microsoft.com/office/drawing/2014/main" xmlns="" id="{73BB3599-588F-16E5-C992-3D14AD7DD3CC}"/>
+                <a16:creationId xmlns:a16="http://schemas.microsoft.com/office/drawing/2014/main" id="{73BB3599-588F-16E5-C992-3D14AD7DD3CC}"/>
               </a:ext>
             </a:extLst>
           </p:cNvPr>
@@ -7156,7 +7543,7 @@
           <p:cNvPr id="9" name="Rectangle 8">
             <a:extLst>
               <a:ext uri="{FF2B5EF4-FFF2-40B4-BE49-F238E27FC236}">
-                <a16:creationId xmlns:a16="http://schemas.microsoft.com/office/drawing/2014/main" xmlns="" id="{1C92B3AF-F1E9-23C0-DD41-847B611EBFEF}"/>
+                <a16:creationId xmlns:a16="http://schemas.microsoft.com/office/drawing/2014/main" id="{1C92B3AF-F1E9-23C0-DD41-847B611EBFEF}"/>
               </a:ext>
             </a:extLst>
           </p:cNvPr>
@@ -7204,7 +7591,7 @@
           <p:cNvPr id="10" name="Rectangle 9">
             <a:extLst>
               <a:ext uri="{FF2B5EF4-FFF2-40B4-BE49-F238E27FC236}">
-                <a16:creationId xmlns:a16="http://schemas.microsoft.com/office/drawing/2014/main" xmlns="" id="{0166BBF4-A934-55F6-276F-9208AE6AD5BA}"/>
+                <a16:creationId xmlns:a16="http://schemas.microsoft.com/office/drawing/2014/main" id="{0166BBF4-A934-55F6-276F-9208AE6AD5BA}"/>
               </a:ext>
             </a:extLst>
           </p:cNvPr>
@@ -7252,7 +7639,7 @@
           <p:cNvPr id="11" name="Rectangle 10">
             <a:extLst>
               <a:ext uri="{FF2B5EF4-FFF2-40B4-BE49-F238E27FC236}">
-                <a16:creationId xmlns:a16="http://schemas.microsoft.com/office/drawing/2014/main" xmlns="" id="{6649E3EF-51D1-B26B-FB42-3493A3A6809E}"/>
+                <a16:creationId xmlns:a16="http://schemas.microsoft.com/office/drawing/2014/main" id="{6649E3EF-51D1-B26B-FB42-3493A3A6809E}"/>
               </a:ext>
             </a:extLst>
           </p:cNvPr>
@@ -7300,7 +7687,7 @@
           <p:cNvPr id="12" name="Rectangle 11">
             <a:extLst>
               <a:ext uri="{FF2B5EF4-FFF2-40B4-BE49-F238E27FC236}">
-                <a16:creationId xmlns:a16="http://schemas.microsoft.com/office/drawing/2014/main" xmlns="" id="{6EA72D1A-43D2-7B27-0D23-A68E839CB7E1}"/>
+                <a16:creationId xmlns:a16="http://schemas.microsoft.com/office/drawing/2014/main" id="{6EA72D1A-43D2-7B27-0D23-A68E839CB7E1}"/>
               </a:ext>
             </a:extLst>
           </p:cNvPr>
@@ -7375,7 +7762,7 @@
           <p:cNvPr id="4" name="Rectangle 3">
             <a:extLst>
               <a:ext uri="{FF2B5EF4-FFF2-40B4-BE49-F238E27FC236}">
-                <a16:creationId xmlns:a16="http://schemas.microsoft.com/office/drawing/2014/main" xmlns="" id="{2125E6D5-4674-765C-4EBC-B2904D9F9727}"/>
+                <a16:creationId xmlns:a16="http://schemas.microsoft.com/office/drawing/2014/main" id="{2125E6D5-4674-765C-4EBC-B2904D9F9727}"/>
               </a:ext>
             </a:extLst>
           </p:cNvPr>
@@ -7431,10 +7818,10 @@
       </p:sp>
       <p:pic>
         <p:nvPicPr>
-          <p:cNvPr id="5" name="Content Placeholder 4">
+          <p:cNvPr id="6" name="Content Placeholder 5">
             <a:extLst>
               <a:ext uri="{FF2B5EF4-FFF2-40B4-BE49-F238E27FC236}">
-                <a16:creationId xmlns:a16="http://schemas.microsoft.com/office/drawing/2014/main" xmlns="" id="{182EB642-6824-852D-8668-03E8F258E931}"/>
+                <a16:creationId xmlns:a16="http://schemas.microsoft.com/office/drawing/2014/main" id="{3D5D53D2-35BF-57A0-4F7D-4A3BBF90AB03}"/>
               </a:ext>
             </a:extLst>
           </p:cNvPr>
@@ -7453,8 +7840,8 @@
         </p:blipFill>
         <p:spPr>
           <a:xfrm>
-            <a:off x="4296758" y="1658811"/>
-            <a:ext cx="2826418" cy="4059237"/>
+            <a:off x="3721918" y="1790623"/>
+            <a:ext cx="3931610" cy="4329761"/>
           </a:xfrm>
           <a:prstGeom prst="rect">
             <a:avLst/>
@@ -7496,7 +7883,7 @@
           <p:cNvPr id="2" name="Title 1">
             <a:extLst>
               <a:ext uri="{FF2B5EF4-FFF2-40B4-BE49-F238E27FC236}">
-                <a16:creationId xmlns:a16="http://schemas.microsoft.com/office/drawing/2014/main" xmlns="" id="{9AF50295-D790-87F9-AE20-92230A116479}"/>
+                <a16:creationId xmlns:a16="http://schemas.microsoft.com/office/drawing/2014/main" id="{3DB9360C-2111-3083-B163-3DA6A8693DD7}"/>
               </a:ext>
             </a:extLst>
           </p:cNvPr>
@@ -7507,16 +7894,107 @@
             <p:ph type="title"/>
           </p:nvPr>
         </p:nvSpPr>
-        <p:spPr>
-          <a:xfrm>
-            <a:off x="730915" y="358811"/>
-            <a:ext cx="10353762" cy="970450"/>
-          </a:xfrm>
-        </p:spPr>
+        <p:spPr/>
         <p:txBody>
           <a:bodyPr>
             <a:normAutofit fontScale="90000"/>
           </a:bodyPr>
+          <a:lstStyle/>
+          <a:p>
+            <a:r>
+              <a:rPr lang="ru-RU" b="1" dirty="0">
+                <a:ln w="22225">
+                  <a:solidFill>
+                    <a:schemeClr val="accent2"/>
+                  </a:solidFill>
+                  <a:prstDash val="solid"/>
+                </a:ln>
+                <a:solidFill>
+                  <a:srgbClr val="FF0000"/>
+                </a:solidFill>
+                <a:effectLst/>
+              </a:rPr>
+              <a:t>Описание за </a:t>
+            </a:r>
+            <a:r>
+              <a:rPr lang="ru-RU" b="1" dirty="0" err="1">
+                <a:ln w="22225">
+                  <a:solidFill>
+                    <a:schemeClr val="accent2"/>
+                  </a:solidFill>
+                  <a:prstDash val="solid"/>
+                </a:ln>
+                <a:solidFill>
+                  <a:srgbClr val="FF0000"/>
+                </a:solidFill>
+                <a:effectLst/>
+              </a:rPr>
+              <a:t>функциониране</a:t>
+            </a:r>
+            <a:r>
+              <a:rPr lang="ru-RU" b="1" dirty="0">
+                <a:ln w="22225">
+                  <a:solidFill>
+                    <a:schemeClr val="accent2"/>
+                  </a:solidFill>
+                  <a:prstDash val="solid"/>
+                </a:ln>
+                <a:solidFill>
+                  <a:srgbClr val="FF0000"/>
+                </a:solidFill>
+                <a:effectLst/>
+              </a:rPr>
+              <a:t> на </a:t>
+            </a:r>
+            <a:r>
+              <a:rPr lang="ru-RU" b="1" dirty="0" err="1">
+                <a:ln w="22225">
+                  <a:solidFill>
+                    <a:schemeClr val="accent2"/>
+                  </a:solidFill>
+                  <a:prstDash val="solid"/>
+                </a:ln>
+                <a:solidFill>
+                  <a:srgbClr val="FF0000"/>
+                </a:solidFill>
+                <a:effectLst/>
+              </a:rPr>
+              <a:t>програмата</a:t>
+            </a:r>
+            <a:endParaRPr lang="bg-BG" b="1" dirty="0">
+              <a:ln w="22225">
+                <a:solidFill>
+                  <a:schemeClr val="accent2"/>
+                </a:solidFill>
+                <a:prstDash val="solid"/>
+              </a:ln>
+              <a:solidFill>
+                <a:srgbClr val="FF0000"/>
+              </a:solidFill>
+              <a:effectLst/>
+            </a:endParaRPr>
+          </a:p>
+        </p:txBody>
+      </p:sp>
+      <p:sp>
+        <p:nvSpPr>
+          <p:cNvPr id="3" name="Content Placeholder 2">
+            <a:extLst>
+              <a:ext uri="{FF2B5EF4-FFF2-40B4-BE49-F238E27FC236}">
+                <a16:creationId xmlns:a16="http://schemas.microsoft.com/office/drawing/2014/main" id="{3816C1D8-0147-EE9F-E962-F13D6480E430}"/>
+              </a:ext>
+            </a:extLst>
+          </p:cNvPr>
+          <p:cNvSpPr>
+            <a:spLocks noGrp="1"/>
+          </p:cNvSpPr>
+          <p:nvPr>
+            <p:ph idx="1"/>
+          </p:nvPr>
+        </p:nvSpPr>
+        <p:spPr/>
+        <p:txBody>
+          <a:bodyPr/>
           <a:lstStyle/>
           <a:p>
             <a:pPr>
@@ -7528,144 +8006,70 @@
               </a:spcAft>
             </a:pPr>
             <a:r>
-              <a:rPr lang="bg-BG" sz="4000" b="1" kern="100" dirty="0">
-                <a:ln w="22225">
-                  <a:solidFill>
-                    <a:schemeClr val="accent2"/>
-                  </a:solidFill>
-                  <a:prstDash val="solid"/>
-                </a:ln>
-                <a:solidFill>
-                  <a:srgbClr val="FF0000"/>
-                </a:solidFill>
-                <a:latin typeface="Calibri" panose="020F0502020204030204" pitchFamily="34" charset="0"/>
+              <a:rPr lang="bg-BG" sz="2000" kern="100" dirty="0">
+                <a:effectLst/>
+                <a:latin typeface="Times New Roman" panose="02020603050405020304" pitchFamily="18" charset="0"/>
                 <a:ea typeface="Calibri" panose="020F0502020204030204" pitchFamily="34" charset="0"/>
                 <a:cs typeface="Times New Roman" panose="02020603050405020304" pitchFamily="18" charset="0"/>
               </a:rPr>
-              <a:t>Деклариране  ма двуизмерен масив А и го попълваме с входните данни</a:t>
-            </a:r>
-          </a:p>
-        </p:txBody>
-      </p:sp>
-      <p:pic>
-        <p:nvPicPr>
-          <p:cNvPr id="4" name="Content Placeholder 3">
-            <a:extLst>
-              <a:ext uri="{FF2B5EF4-FFF2-40B4-BE49-F238E27FC236}">
-                <a16:creationId xmlns:a16="http://schemas.microsoft.com/office/drawing/2014/main" xmlns="" id="{95DA11FC-9E88-E405-0DEB-06DE42D9F9ED}"/>
-              </a:ext>
-            </a:extLst>
-          </p:cNvPr>
-          <p:cNvPicPr>
-            <a:picLocks noGrp="1" noChangeAspect="1"/>
-          </p:cNvPicPr>
-          <p:nvPr>
-            <p:ph idx="1"/>
-          </p:nvPr>
-        </p:nvPicPr>
-        <p:blipFill>
-          <a:blip r:embed="rId2"/>
-          <a:stretch>
-            <a:fillRect/>
-          </a:stretch>
-        </p:blipFill>
-        <p:spPr>
-          <a:xfrm>
-            <a:off x="666538" y="1478557"/>
-            <a:ext cx="7520178" cy="3262144"/>
-          </a:xfrm>
-          <a:prstGeom prst="rect">
-            <a:avLst/>
-          </a:prstGeom>
-        </p:spPr>
-      </p:pic>
-      <p:sp>
-        <p:nvSpPr>
-          <p:cNvPr id="3" name="Rectangle 2">
-            <a:extLst>
-              <a:ext uri="{FF2B5EF4-FFF2-40B4-BE49-F238E27FC236}">
-                <a16:creationId xmlns:a16="http://schemas.microsoft.com/office/drawing/2014/main" xmlns="" id="{83D04A9F-A6F5-8202-3ECD-143AD5C54090}"/>
-              </a:ext>
-            </a:extLst>
-          </p:cNvPr>
-          <p:cNvSpPr/>
-          <p:nvPr/>
-        </p:nvSpPr>
-        <p:spPr>
-          <a:xfrm>
-            <a:off x="2109141" y="3549734"/>
-            <a:ext cx="8351595" cy="1225464"/>
-          </a:xfrm>
-          <a:prstGeom prst="rect">
-            <a:avLst/>
-          </a:prstGeom>
-          <a:noFill/>
-        </p:spPr>
-        <p:txBody>
-          <a:bodyPr wrap="square" lIns="91440" tIns="45720" rIns="91440" bIns="45720">
-            <a:spAutoFit/>
-          </a:bodyPr>
-          <a:lstStyle/>
-          <a:p>
-            <a:pPr>
-              <a:lnSpc>
-                <a:spcPct val="107000"/>
-              </a:lnSpc>
-              <a:spcAft>
-                <a:spcPts val="800"/>
-              </a:spcAft>
-            </a:pPr>
-            <a:endParaRPr lang="bg-BG" sz="3200" b="1" kern="100" dirty="0">
-              <a:ln w="22225">
-                <a:solidFill>
-                  <a:schemeClr val="accent2"/>
-                </a:solidFill>
-                <a:prstDash val="solid"/>
-              </a:ln>
-              <a:solidFill>
-                <a:schemeClr val="accent2">
-                  <a:lumMod val="40000"/>
-                  <a:lumOff val="60000"/>
-                </a:schemeClr>
-              </a:solidFill>
+              <a:t>Вход: Въвежда се размерът на масив А, след това се въвеждат стойностите на неговите елементи. След като се въведат всички елементи, се въвежда интервал </a:t>
+            </a:r>
+            <a:r>
+              <a:rPr lang="en-US" sz="2000" kern="100" dirty="0">
+                <a:effectLst/>
+                <a:latin typeface="Times New Roman" panose="02020603050405020304" pitchFamily="18" charset="0"/>
+                <a:ea typeface="Calibri" panose="020F0502020204030204" pitchFamily="34" charset="0"/>
+                <a:cs typeface="Times New Roman" panose="02020603050405020304" pitchFamily="18" charset="0"/>
+              </a:rPr>
+              <a:t>[K, L].</a:t>
+            </a:r>
+            <a:endParaRPr lang="en-US" sz="2000" kern="100" dirty="0">
+              <a:effectLst/>
               <a:latin typeface="Calibri" panose="020F0502020204030204" pitchFamily="34" charset="0"/>
               <a:ea typeface="Calibri" panose="020F0502020204030204" pitchFamily="34" charset="0"/>
               <a:cs typeface="Times New Roman" panose="02020603050405020304" pitchFamily="18" charset="0"/>
             </a:endParaRPr>
           </a:p>
           <a:p>
-            <a:pPr>
-              <a:lnSpc>
-                <a:spcPct val="107000"/>
-              </a:lnSpc>
-              <a:spcAft>
-                <a:spcPts val="800"/>
-              </a:spcAft>
-            </a:pPr>
-            <a:endParaRPr lang="bg-BG" sz="3200" b="1" kern="100" dirty="0">
-              <a:ln w="22225">
-                <a:solidFill>
-                  <a:schemeClr val="accent2"/>
-                </a:solidFill>
-                <a:prstDash val="solid"/>
-              </a:ln>
-              <a:solidFill>
-                <a:schemeClr val="accent2">
-                  <a:lumMod val="40000"/>
-                  <a:lumOff val="60000"/>
-                </a:schemeClr>
-              </a:solidFill>
-              <a:latin typeface="Calibri" panose="020F0502020204030204" pitchFamily="34" charset="0"/>
+            <a:r>
+              <a:rPr lang="bg-BG" sz="2000" kern="100" dirty="0">
+                <a:latin typeface="Times New Roman" panose="02020603050405020304" pitchFamily="18" charset="0"/>
+                <a:ea typeface="Calibri" panose="020F0502020204030204" pitchFamily="34" charset="0"/>
+                <a:cs typeface="Times New Roman" panose="02020603050405020304" pitchFamily="18" charset="0"/>
+              </a:rPr>
+              <a:t>Изход: Извежда се масив А, масив С, който съдържа всички елементи в интервала </a:t>
+            </a:r>
+            <a:r>
+              <a:rPr lang="en-US" sz="2000" kern="100" dirty="0">
+                <a:latin typeface="Times New Roman" panose="02020603050405020304" pitchFamily="18" charset="0"/>
+                <a:ea typeface="Calibri" panose="020F0502020204030204" pitchFamily="34" charset="0"/>
+                <a:cs typeface="Times New Roman" panose="02020603050405020304" pitchFamily="18" charset="0"/>
+              </a:rPr>
+              <a:t>[K, L]</a:t>
+            </a:r>
+            <a:r>
+              <a:rPr lang="bg-BG" sz="2000" kern="100" dirty="0">
+                <a:latin typeface="Times New Roman" panose="02020603050405020304" pitchFamily="18" charset="0"/>
+                <a:ea typeface="Calibri" panose="020F0502020204030204" pitchFamily="34" charset="0"/>
+                <a:cs typeface="Times New Roman" panose="02020603050405020304" pitchFamily="18" charset="0"/>
+              </a:rPr>
+              <a:t>, и сортиран по големина масив С.</a:t>
+            </a:r>
+            <a:endParaRPr lang="en-US" sz="2000" kern="100" dirty="0">
+              <a:latin typeface="Times New Roman" panose="02020603050405020304" pitchFamily="18" charset="0"/>
               <a:ea typeface="Calibri" panose="020F0502020204030204" pitchFamily="34" charset="0"/>
               <a:cs typeface="Times New Roman" panose="02020603050405020304" pitchFamily="18" charset="0"/>
             </a:endParaRPr>
           </a:p>
+          <a:p>
+            <a:endParaRPr lang="bg-BG" dirty="0"/>
+          </a:p>
         </p:txBody>
       </p:sp>
     </p:spTree>
     <p:extLst>
       <p:ext uri="{BB962C8B-B14F-4D97-AF65-F5344CB8AC3E}">
-        <p14:creationId xmlns:p14="http://schemas.microsoft.com/office/powerpoint/2010/main" val="1250956703"/>
+        <p14:creationId xmlns:p14="http://schemas.microsoft.com/office/powerpoint/2010/main" val="4065540968"/>
       </p:ext>
     </p:extLst>
   </p:cSld>
@@ -7692,44 +8096,12 @@
           <a:chExt cx="0" cy="0"/>
         </a:xfrm>
       </p:grpSpPr>
-      <p:pic>
-        <p:nvPicPr>
-          <p:cNvPr id="4" name="Content Placeholder 3">
+      <p:sp>
+        <p:nvSpPr>
+          <p:cNvPr id="4" name="Rectangle 3">
             <a:extLst>
               <a:ext uri="{FF2B5EF4-FFF2-40B4-BE49-F238E27FC236}">
-                <a16:creationId xmlns:a16="http://schemas.microsoft.com/office/drawing/2014/main" xmlns="" id="{FA124841-C6AF-8D2D-A414-7E444A3EFDEB}"/>
-              </a:ext>
-            </a:extLst>
-          </p:cNvPr>
-          <p:cNvPicPr>
-            <a:picLocks noGrp="1" noChangeAspect="1"/>
-          </p:cNvPicPr>
-          <p:nvPr>
-            <p:ph idx="1"/>
-          </p:nvPr>
-        </p:nvPicPr>
-        <p:blipFill>
-          <a:blip r:embed="rId2"/>
-          <a:stretch>
-            <a:fillRect/>
-          </a:stretch>
-        </p:blipFill>
-        <p:spPr>
-          <a:xfrm>
-            <a:off x="1947672" y="3099816"/>
-            <a:ext cx="7357267" cy="2825496"/>
-          </a:xfrm>
-          <a:prstGeom prst="rect">
-            <a:avLst/>
-          </a:prstGeom>
-        </p:spPr>
-      </p:pic>
-      <p:sp>
-        <p:nvSpPr>
-          <p:cNvPr id="5" name="Rectangle 4">
-            <a:extLst>
-              <a:ext uri="{FF2B5EF4-FFF2-40B4-BE49-F238E27FC236}">
-                <a16:creationId xmlns:a16="http://schemas.microsoft.com/office/drawing/2014/main" xmlns="" id="{662223A1-CE6B-64EB-CB8B-DA8B5BFF86C3}"/>
+                <a16:creationId xmlns:a16="http://schemas.microsoft.com/office/drawing/2014/main" id="{696EC7D6-8DAE-7EDE-707A-19A324D954C9}"/>
               </a:ext>
             </a:extLst>
           </p:cNvPr>
@@ -7738,8 +8110,8 @@
         </p:nvSpPr>
         <p:spPr>
           <a:xfrm>
-            <a:off x="1762965" y="512064"/>
-            <a:ext cx="7726680" cy="993926"/>
+            <a:off x="3718737" y="388727"/>
+            <a:ext cx="4209111" cy="1015663"/>
           </a:xfrm>
           <a:prstGeom prst="rect">
             <a:avLst/>
@@ -7752,16 +8124,9 @@
           </a:bodyPr>
           <a:lstStyle/>
           <a:p>
-            <a:pPr algn="ctr">
-              <a:lnSpc>
-                <a:spcPct val="107000"/>
-              </a:lnSpc>
-              <a:spcAft>
-                <a:spcPts val="800"/>
-              </a:spcAft>
-            </a:pPr>
-            <a:r>
-              <a:rPr lang="bg-BG" sz="2800" b="1" kern="100" dirty="0">
+            <a:pPr algn="ctr"/>
+            <a:r>
+              <a:rPr lang="bg-BG" sz="6000" b="1" cap="none" spc="0" dirty="0">
                 <a:ln w="22225">
                   <a:solidFill>
                     <a:schemeClr val="accent2"/>
@@ -7769,86 +8134,451 @@
                   <a:prstDash val="solid"/>
                 </a:ln>
                 <a:solidFill>
-                  <a:srgbClr val="C00000"/>
-                </a:solidFill>
-                <a:latin typeface="Calibri" panose="020F0502020204030204" pitchFamily="34" charset="0"/>
+                  <a:srgbClr val="FF0000"/>
+                </a:solidFill>
+                <a:effectLst/>
+              </a:rPr>
+              <a:t>Условие</a:t>
+            </a:r>
+            <a:endParaRPr lang="en-US" sz="6000" b="1" cap="none" spc="0" dirty="0">
+              <a:ln w="22225">
+                <a:solidFill>
+                  <a:schemeClr val="accent2"/>
+                </a:solidFill>
+                <a:prstDash val="solid"/>
+              </a:ln>
+              <a:solidFill>
+                <a:srgbClr val="FF0000"/>
+              </a:solidFill>
+              <a:effectLst/>
+            </a:endParaRPr>
+          </a:p>
+        </p:txBody>
+      </p:sp>
+      <p:sp>
+        <p:nvSpPr>
+          <p:cNvPr id="5" name="Title 1">
+            <a:extLst>
+              <a:ext uri="{FF2B5EF4-FFF2-40B4-BE49-F238E27FC236}">
+                <a16:creationId xmlns:a16="http://schemas.microsoft.com/office/drawing/2014/main" id="{B2A7214D-9CC1-E469-B763-C9D50386037E}"/>
+              </a:ext>
+            </a:extLst>
+          </p:cNvPr>
+          <p:cNvSpPr>
+            <a:spLocks noGrp="1"/>
+          </p:cNvSpPr>
+          <p:nvPr>
+            <p:ph idx="1"/>
+          </p:nvPr>
+        </p:nvSpPr>
+        <p:spPr>
+          <a:xfrm>
+            <a:off x="914400" y="1731963"/>
+            <a:ext cx="10353675" cy="4059237"/>
+          </a:xfrm>
+        </p:spPr>
+        <p:txBody>
+          <a:bodyPr/>
+          <a:lstStyle/>
+          <a:p>
+            <a:pPr>
+              <a:lnSpc>
+                <a:spcPts val="1405"/>
+              </a:lnSpc>
+            </a:pPr>
+            <a:r>
+              <a:rPr lang="bg-BG" sz="1800" b="1" spc="-50" dirty="0">
+                <a:effectLst/>
+                <a:latin typeface="Times New Roman" panose="02020603050405020304" pitchFamily="18" charset="0"/>
+                <a:ea typeface="Times New Roman" panose="02020603050405020304" pitchFamily="18" charset="0"/>
+                <a:cs typeface="Times New Roman" panose="02020603050405020304" pitchFamily="18" charset="0"/>
+              </a:rPr>
+              <a:t>3.Да се състави програма за обработка на двумерния масив </a:t>
+            </a:r>
+            <a:r>
+              <a:rPr lang="en-US" sz="1800" b="1" spc="-50" dirty="0">
+                <a:effectLst/>
+                <a:latin typeface="Times New Roman" panose="02020603050405020304" pitchFamily="18" charset="0"/>
+                <a:ea typeface="Times New Roman" panose="02020603050405020304" pitchFamily="18" charset="0"/>
+                <a:cs typeface="Times New Roman" panose="02020603050405020304" pitchFamily="18" charset="0"/>
+              </a:rPr>
+              <a:t>A</a:t>
+            </a:r>
+            <a:r>
+              <a:rPr lang="ru-RU" sz="1800" b="1" spc="-50" dirty="0">
+                <a:effectLst/>
+                <a:latin typeface="Times New Roman" panose="02020603050405020304" pitchFamily="18" charset="0"/>
+                <a:ea typeface="Times New Roman" panose="02020603050405020304" pitchFamily="18" charset="0"/>
+                <a:cs typeface="Times New Roman" panose="02020603050405020304" pitchFamily="18" charset="0"/>
+              </a:rPr>
+              <a:t>[</a:t>
+            </a:r>
+            <a:r>
+              <a:rPr lang="en-US" sz="1800" b="1" spc="-50" dirty="0">
+                <a:effectLst/>
+                <a:latin typeface="Times New Roman" panose="02020603050405020304" pitchFamily="18" charset="0"/>
+                <a:ea typeface="Times New Roman" panose="02020603050405020304" pitchFamily="18" charset="0"/>
+                <a:cs typeface="Times New Roman" panose="02020603050405020304" pitchFamily="18" charset="0"/>
+              </a:rPr>
+              <a:t>N</a:t>
+            </a:r>
+            <a:r>
+              <a:rPr lang="ru-RU" sz="1800" b="1" spc="-50" dirty="0">
+                <a:effectLst/>
+                <a:latin typeface="Times New Roman" panose="02020603050405020304" pitchFamily="18" charset="0"/>
+                <a:ea typeface="Times New Roman" panose="02020603050405020304" pitchFamily="18" charset="0"/>
+                <a:cs typeface="Times New Roman" panose="02020603050405020304" pitchFamily="18" charset="0"/>
+              </a:rPr>
+              <a:t>,</a:t>
+            </a:r>
+            <a:r>
+              <a:rPr lang="en-US" sz="1800" b="1" spc="-50" dirty="0">
+                <a:effectLst/>
+                <a:latin typeface="Times New Roman" panose="02020603050405020304" pitchFamily="18" charset="0"/>
+                <a:ea typeface="Times New Roman" panose="02020603050405020304" pitchFamily="18" charset="0"/>
+                <a:cs typeface="Times New Roman" panose="02020603050405020304" pitchFamily="18" charset="0"/>
+              </a:rPr>
+              <a:t>N</a:t>
+            </a:r>
+            <a:r>
+              <a:rPr lang="ru-RU" sz="1800" b="1" spc="-50" dirty="0">
+                <a:effectLst/>
+                <a:latin typeface="Times New Roman" panose="02020603050405020304" pitchFamily="18" charset="0"/>
+                <a:ea typeface="Times New Roman" panose="02020603050405020304" pitchFamily="18" charset="0"/>
+                <a:cs typeface="Times New Roman" panose="02020603050405020304" pitchFamily="18" charset="0"/>
+              </a:rPr>
+              <a:t>], </a:t>
+            </a:r>
+            <a:r>
+              <a:rPr lang="bg-BG" sz="1800" b="1" spc="-50" dirty="0">
+                <a:effectLst/>
+                <a:latin typeface="Times New Roman" panose="02020603050405020304" pitchFamily="18" charset="0"/>
+                <a:ea typeface="Times New Roman" panose="02020603050405020304" pitchFamily="18" charset="0"/>
+                <a:cs typeface="Times New Roman" panose="02020603050405020304" pitchFamily="18" charset="0"/>
+              </a:rPr>
+              <a:t>където данните са цели числа в интервала </a:t>
+            </a:r>
+            <a:r>
+              <a:rPr lang="ru-RU" sz="1800" b="1" spc="-50" dirty="0">
+                <a:effectLst/>
+                <a:latin typeface="Times New Roman" panose="02020603050405020304" pitchFamily="18" charset="0"/>
+                <a:ea typeface="Times New Roman" panose="02020603050405020304" pitchFamily="18" charset="0"/>
+                <a:cs typeface="Times New Roman" panose="02020603050405020304" pitchFamily="18" charset="0"/>
+              </a:rPr>
+              <a:t>[</a:t>
+            </a:r>
+            <a:r>
+              <a:rPr lang="bg-BG" sz="1800" b="1" spc="-50" dirty="0">
+                <a:effectLst/>
+                <a:latin typeface="Times New Roman" panose="02020603050405020304" pitchFamily="18" charset="0"/>
+                <a:ea typeface="Times New Roman" panose="02020603050405020304" pitchFamily="18" charset="0"/>
+                <a:cs typeface="Times New Roman" panose="02020603050405020304" pitchFamily="18" charset="0"/>
+              </a:rPr>
+              <a:t>-100</a:t>
+            </a:r>
+            <a:r>
+              <a:rPr lang="ru-RU" sz="1800" b="1" spc="-50" dirty="0">
+                <a:effectLst/>
+                <a:latin typeface="Times New Roman" panose="02020603050405020304" pitchFamily="18" charset="0"/>
+                <a:ea typeface="Times New Roman" panose="02020603050405020304" pitchFamily="18" charset="0"/>
+                <a:cs typeface="Times New Roman" panose="02020603050405020304" pitchFamily="18" charset="0"/>
+              </a:rPr>
+              <a:t>;</a:t>
+            </a:r>
+            <a:r>
+              <a:rPr lang="bg-BG" sz="1800" b="1" spc="-50" dirty="0">
+                <a:effectLst/>
+                <a:latin typeface="Times New Roman" panose="02020603050405020304" pitchFamily="18" charset="0"/>
+                <a:ea typeface="Times New Roman" panose="02020603050405020304" pitchFamily="18" charset="0"/>
+                <a:cs typeface="Times New Roman" panose="02020603050405020304" pitchFamily="18" charset="0"/>
+              </a:rPr>
+              <a:t>100]. Програмата да извърши следните действия: </a:t>
+            </a:r>
+            <a:endParaRPr lang="bg-BG" sz="1800" dirty="0">
+              <a:effectLst/>
+              <a:latin typeface="Times New Roman" panose="02020603050405020304" pitchFamily="18" charset="0"/>
+              <a:ea typeface="Times New Roman" panose="02020603050405020304" pitchFamily="18" charset="0"/>
+            </a:endParaRPr>
+          </a:p>
+          <a:p>
+            <a:pPr marL="342900" lvl="0" indent="-342900">
+              <a:lnSpc>
+                <a:spcPts val="1370"/>
+              </a:lnSpc>
+              <a:buFont typeface="Symbol" panose="05050102010706020507" pitchFamily="18" charset="2"/>
+              <a:buChar char=""/>
+              <a:tabLst>
+                <a:tab pos="617220" algn="l"/>
+                <a:tab pos="2207260" algn="l"/>
+              </a:tabLst>
+            </a:pPr>
+            <a:r>
+              <a:rPr lang="bg-BG" sz="1800" b="1" spc="-50" dirty="0">
+                <a:effectLst/>
+                <a:latin typeface="Times New Roman" panose="02020603050405020304" pitchFamily="18" charset="0"/>
+                <a:ea typeface="Times New Roman" panose="02020603050405020304" pitchFamily="18" charset="0"/>
+                <a:cs typeface="Times New Roman" panose="02020603050405020304" pitchFamily="18" charset="0"/>
+              </a:rPr>
+              <a:t>отпечатване на условието на задачата;</a:t>
+            </a:r>
+            <a:endParaRPr lang="bg-BG" sz="1800" dirty="0">
+              <a:effectLst/>
+              <a:latin typeface="Times New Roman" panose="02020603050405020304" pitchFamily="18" charset="0"/>
+              <a:ea typeface="Times New Roman" panose="02020603050405020304" pitchFamily="18" charset="0"/>
+            </a:endParaRPr>
+          </a:p>
+          <a:p>
+            <a:pPr marL="342900" marR="2176145" lvl="0" indent="-342900">
+              <a:lnSpc>
+                <a:spcPts val="1475"/>
+              </a:lnSpc>
+              <a:spcAft>
+                <a:spcPts val="0"/>
+              </a:spcAft>
+              <a:buFont typeface="Symbol" panose="05050102010706020507" pitchFamily="18" charset="2"/>
+              <a:buChar char=""/>
+              <a:tabLst>
+                <a:tab pos="617220" algn="l"/>
+                <a:tab pos="2207260" algn="l"/>
+                <a:tab pos="3808730" algn="l"/>
+              </a:tabLst>
+            </a:pPr>
+            <a:r>
+              <a:rPr lang="bg-BG" sz="1800" b="1" spc="-50" dirty="0">
+                <a:effectLst/>
+                <a:latin typeface="Times New Roman" panose="02020603050405020304" pitchFamily="18" charset="0"/>
+                <a:ea typeface="Times New Roman" panose="02020603050405020304" pitchFamily="18" charset="0"/>
+                <a:cs typeface="Times New Roman" panose="02020603050405020304" pitchFamily="18" charset="0"/>
+              </a:rPr>
+              <a:t>отпечатване на имената на автора на програмата;	</a:t>
+            </a:r>
+            <a:endParaRPr lang="bg-BG" sz="1800" dirty="0">
+              <a:effectLst/>
+              <a:latin typeface="Times New Roman" panose="02020603050405020304" pitchFamily="18" charset="0"/>
+              <a:ea typeface="Times New Roman" panose="02020603050405020304" pitchFamily="18" charset="0"/>
+            </a:endParaRPr>
+          </a:p>
+          <a:p>
+            <a:pPr marL="342900" marR="2176145" lvl="0" indent="-342900">
+              <a:lnSpc>
+                <a:spcPts val="1475"/>
+              </a:lnSpc>
+              <a:spcAft>
+                <a:spcPts val="0"/>
+              </a:spcAft>
+              <a:buFont typeface="Symbol" panose="05050102010706020507" pitchFamily="18" charset="2"/>
+              <a:buChar char=""/>
+              <a:tabLst>
+                <a:tab pos="617220" algn="l"/>
+                <a:tab pos="800100" algn="l"/>
+                <a:tab pos="3808730" algn="l"/>
+              </a:tabLst>
+            </a:pPr>
+            <a:r>
+              <a:rPr lang="bg-BG" sz="1800" b="1" spc="-50" dirty="0">
+                <a:effectLst/>
+                <a:latin typeface="Times New Roman" panose="02020603050405020304" pitchFamily="18" charset="0"/>
+                <a:ea typeface="Times New Roman" panose="02020603050405020304" pitchFamily="18" charset="0"/>
+                <a:cs typeface="Times New Roman" panose="02020603050405020304" pitchFamily="18" charset="0"/>
+              </a:rPr>
+              <a:t>въвеждане на входните данни; </a:t>
+            </a:r>
+            <a:endParaRPr lang="bg-BG" sz="1800" dirty="0">
+              <a:effectLst/>
+              <a:latin typeface="Times New Roman" panose="02020603050405020304" pitchFamily="18" charset="0"/>
+              <a:ea typeface="Times New Roman" panose="02020603050405020304" pitchFamily="18" charset="0"/>
+            </a:endParaRPr>
+          </a:p>
+          <a:p>
+            <a:pPr marL="342900" marR="2176145" lvl="0" indent="-342900">
+              <a:lnSpc>
+                <a:spcPts val="1475"/>
+              </a:lnSpc>
+              <a:spcAft>
+                <a:spcPts val="0"/>
+              </a:spcAft>
+              <a:buFont typeface="Symbol" panose="05050102010706020507" pitchFamily="18" charset="2"/>
+              <a:buChar char=""/>
+              <a:tabLst>
+                <a:tab pos="617220" algn="l"/>
+                <a:tab pos="800100" algn="l"/>
+                <a:tab pos="3808730" algn="l"/>
+              </a:tabLst>
+            </a:pPr>
+            <a:r>
+              <a:rPr lang="bg-BG" sz="1800" b="1" spc="-50" dirty="0">
+                <a:effectLst/>
+                <a:latin typeface="Times New Roman" panose="02020603050405020304" pitchFamily="18" charset="0"/>
+                <a:ea typeface="Times New Roman" panose="02020603050405020304" pitchFamily="18" charset="0"/>
+                <a:cs typeface="Times New Roman" panose="02020603050405020304" pitchFamily="18" charset="0"/>
+              </a:rPr>
+              <a:t>отпечатване на входните данни;</a:t>
+            </a:r>
+            <a:endParaRPr lang="bg-BG" sz="1800" dirty="0">
+              <a:effectLst/>
+              <a:latin typeface="Times New Roman" panose="02020603050405020304" pitchFamily="18" charset="0"/>
+              <a:ea typeface="Times New Roman" panose="02020603050405020304" pitchFamily="18" charset="0"/>
+            </a:endParaRPr>
+          </a:p>
+          <a:p>
+            <a:pPr marL="342900" lvl="0" indent="-342900">
+              <a:lnSpc>
+                <a:spcPts val="1405"/>
+              </a:lnSpc>
+              <a:buFont typeface="Symbol" panose="05050102010706020507" pitchFamily="18" charset="2"/>
+              <a:buChar char=""/>
+              <a:tabLst>
+                <a:tab pos="2207260" algn="l"/>
+              </a:tabLst>
+            </a:pPr>
+            <a:r>
+              <a:rPr lang="bg-BG" sz="1800" b="1" spc="-50" dirty="0">
+                <a:effectLst/>
+                <a:latin typeface="Times New Roman" panose="02020603050405020304" pitchFamily="18" charset="0"/>
+                <a:ea typeface="Times New Roman" panose="02020603050405020304" pitchFamily="18" charset="0"/>
+                <a:cs typeface="Times New Roman" panose="02020603050405020304" pitchFamily="18" charset="0"/>
+              </a:rPr>
+              <a:t>а) да се образува едномерен масив </a:t>
+            </a:r>
+            <a:r>
+              <a:rPr lang="en-US" sz="1800" b="1" spc="-50" dirty="0">
+                <a:effectLst/>
+                <a:latin typeface="Times New Roman" panose="02020603050405020304" pitchFamily="18" charset="0"/>
+                <a:ea typeface="Times New Roman" panose="02020603050405020304" pitchFamily="18" charset="0"/>
+                <a:cs typeface="Times New Roman" panose="02020603050405020304" pitchFamily="18" charset="0"/>
+              </a:rPr>
+              <a:t>C</a:t>
+            </a:r>
+            <a:r>
+              <a:rPr lang="ru-RU" sz="1800" b="1" spc="-50" dirty="0">
+                <a:effectLst/>
+                <a:latin typeface="Times New Roman" panose="02020603050405020304" pitchFamily="18" charset="0"/>
+                <a:ea typeface="Times New Roman" panose="02020603050405020304" pitchFamily="18" charset="0"/>
+                <a:cs typeface="Times New Roman" panose="02020603050405020304" pitchFamily="18" charset="0"/>
+              </a:rPr>
+              <a:t>, </a:t>
+            </a:r>
+            <a:r>
+              <a:rPr lang="bg-BG" sz="1800" b="1" spc="-50" dirty="0">
+                <a:effectLst/>
+                <a:latin typeface="Times New Roman" panose="02020603050405020304" pitchFamily="18" charset="0"/>
+                <a:ea typeface="Times New Roman" panose="02020603050405020304" pitchFamily="18" charset="0"/>
+                <a:cs typeface="Times New Roman" panose="02020603050405020304" pitchFamily="18" charset="0"/>
+              </a:rPr>
+              <a:t>елементите на който са елементите от масива А, попадащи в даден интервал </a:t>
+            </a:r>
+            <a:r>
+              <a:rPr lang="ru-RU" sz="1800" b="1" spc="-50" dirty="0">
+                <a:effectLst/>
+                <a:latin typeface="Times New Roman" panose="02020603050405020304" pitchFamily="18" charset="0"/>
+                <a:ea typeface="Times New Roman" panose="02020603050405020304" pitchFamily="18" charset="0"/>
+                <a:cs typeface="Times New Roman" panose="02020603050405020304" pitchFamily="18" charset="0"/>
+              </a:rPr>
+              <a:t>[</a:t>
+            </a:r>
+            <a:r>
+              <a:rPr lang="en-US" sz="1800" b="1" spc="-50" dirty="0">
+                <a:effectLst/>
+                <a:latin typeface="Times New Roman" panose="02020603050405020304" pitchFamily="18" charset="0"/>
+                <a:ea typeface="Times New Roman" panose="02020603050405020304" pitchFamily="18" charset="0"/>
+                <a:cs typeface="Times New Roman" panose="02020603050405020304" pitchFamily="18" charset="0"/>
+              </a:rPr>
+              <a:t>K</a:t>
+            </a:r>
+            <a:r>
+              <a:rPr lang="bg-BG" sz="1800" b="1" spc="-50" dirty="0">
+                <a:effectLst/>
+                <a:latin typeface="Times New Roman" panose="02020603050405020304" pitchFamily="18" charset="0"/>
+                <a:ea typeface="Times New Roman" panose="02020603050405020304" pitchFamily="18" charset="0"/>
+                <a:cs typeface="Times New Roman" panose="02020603050405020304" pitchFamily="18" charset="0"/>
+              </a:rPr>
+              <a:t> - </a:t>
+            </a:r>
+            <a:r>
+              <a:rPr lang="en-US" sz="1800" b="1" spc="-50" dirty="0">
+                <a:effectLst/>
+                <a:latin typeface="Times New Roman" panose="02020603050405020304" pitchFamily="18" charset="0"/>
+                <a:ea typeface="Times New Roman" panose="02020603050405020304" pitchFamily="18" charset="0"/>
+                <a:cs typeface="Times New Roman" panose="02020603050405020304" pitchFamily="18" charset="0"/>
+              </a:rPr>
+              <a:t>L</a:t>
+            </a:r>
+            <a:r>
+              <a:rPr lang="ru-RU" sz="1800" b="1" spc="-50" dirty="0">
+                <a:effectLst/>
+                <a:latin typeface="Times New Roman" panose="02020603050405020304" pitchFamily="18" charset="0"/>
+                <a:ea typeface="Times New Roman" panose="02020603050405020304" pitchFamily="18" charset="0"/>
+                <a:cs typeface="Times New Roman" panose="02020603050405020304" pitchFamily="18" charset="0"/>
+              </a:rPr>
+              <a:t>] </a:t>
+            </a:r>
+            <a:r>
+              <a:rPr lang="bg-BG" sz="1800" b="1" spc="-50" dirty="0">
+                <a:effectLst/>
+                <a:latin typeface="Times New Roman" panose="02020603050405020304" pitchFamily="18" charset="0"/>
+                <a:ea typeface="Times New Roman" panose="02020603050405020304" pitchFamily="18" charset="0"/>
+                <a:cs typeface="Times New Roman" panose="02020603050405020304" pitchFamily="18" charset="0"/>
+              </a:rPr>
+              <a:t>;</a:t>
+            </a:r>
+            <a:endParaRPr lang="bg-BG" sz="1800" dirty="0">
+              <a:effectLst/>
+              <a:latin typeface="Times New Roman" panose="02020603050405020304" pitchFamily="18" charset="0"/>
+              <a:ea typeface="Times New Roman" panose="02020603050405020304" pitchFamily="18" charset="0"/>
+            </a:endParaRPr>
+          </a:p>
+          <a:p>
+            <a:pPr marL="0" lvl="0" indent="0">
+              <a:lnSpc>
+                <a:spcPts val="1475"/>
+              </a:lnSpc>
+              <a:spcAft>
+                <a:spcPts val="0"/>
+              </a:spcAft>
+              <a:buNone/>
+              <a:tabLst>
+                <a:tab pos="617220" algn="l"/>
+                <a:tab pos="800100" algn="l"/>
+                <a:tab pos="3808730" algn="l"/>
+              </a:tabLst>
+            </a:pPr>
+            <a:r>
+              <a:rPr lang="bg-BG" sz="1800" b="1" spc="-50" dirty="0">
+                <a:effectLst/>
+                <a:latin typeface="Times New Roman" panose="02020603050405020304" pitchFamily="18" charset="0"/>
+                <a:ea typeface="Times New Roman" panose="02020603050405020304" pitchFamily="18" charset="0"/>
+                <a:cs typeface="Times New Roman" panose="02020603050405020304" pitchFamily="18" charset="0"/>
+              </a:rPr>
+              <a:t>б) полученият масив да се сортира по големина;</a:t>
+            </a:r>
+            <a:endParaRPr lang="bg-BG" sz="1800" dirty="0">
+              <a:effectLst/>
+              <a:latin typeface="Times New Roman" panose="02020603050405020304" pitchFamily="18" charset="0"/>
+              <a:ea typeface="Times New Roman" panose="02020603050405020304" pitchFamily="18" charset="0"/>
+            </a:endParaRPr>
+          </a:p>
+          <a:p>
+            <a:pPr>
+              <a:buFont typeface="Wingdings" panose="05000000000000000000" pitchFamily="2" charset="2"/>
+              <a:buChar char="§"/>
+            </a:pPr>
+            <a:r>
+              <a:rPr lang="bg-BG" sz="1800" b="1" spc="-50" dirty="0">
+                <a:effectLst/>
+                <a:latin typeface="Times New Roman" panose="02020603050405020304" pitchFamily="18" charset="0"/>
                 <a:ea typeface="Calibri" panose="020F0502020204030204" pitchFamily="34" charset="0"/>
                 <a:cs typeface="Times New Roman" panose="02020603050405020304" pitchFamily="18" charset="0"/>
               </a:rPr>
-              <a:t>Отпечатване на масива, чрез използване на цикъл </a:t>
-            </a:r>
-            <a:r>
-              <a:rPr lang="en-US" sz="2800" b="1" kern="100" dirty="0">
-                <a:ln w="22225">
-                  <a:solidFill>
-                    <a:schemeClr val="accent2"/>
-                  </a:solidFill>
-                  <a:prstDash val="solid"/>
-                </a:ln>
-                <a:solidFill>
-                  <a:srgbClr val="C00000"/>
-                </a:solidFill>
-                <a:latin typeface="Calibri" panose="020F0502020204030204" pitchFamily="34" charset="0"/>
-                <a:ea typeface="Calibri" panose="020F0502020204030204" pitchFamily="34" charset="0"/>
-                <a:cs typeface="Times New Roman" panose="02020603050405020304" pitchFamily="18" charset="0"/>
-              </a:rPr>
-              <a:t>for </a:t>
-            </a:r>
-            <a:r>
-              <a:rPr lang="bg-BG" sz="2800" b="1" kern="100" dirty="0">
-                <a:ln w="22225">
-                  <a:solidFill>
-                    <a:schemeClr val="accent2"/>
-                  </a:solidFill>
-                  <a:prstDash val="solid"/>
-                </a:ln>
-                <a:solidFill>
-                  <a:srgbClr val="C00000"/>
-                </a:solidFill>
-                <a:latin typeface="Calibri" panose="020F0502020204030204" pitchFamily="34" charset="0"/>
-                <a:ea typeface="Calibri" panose="020F0502020204030204" pitchFamily="34" charset="0"/>
-                <a:cs typeface="Times New Roman" panose="02020603050405020304" pitchFamily="18" charset="0"/>
-              </a:rPr>
-              <a:t>и </a:t>
-            </a:r>
-            <a:r>
-              <a:rPr lang="en-US" sz="2800" b="1" kern="100" dirty="0">
-                <a:ln w="22225">
-                  <a:solidFill>
-                    <a:schemeClr val="accent2"/>
-                  </a:solidFill>
-                  <a:prstDash val="solid"/>
-                </a:ln>
-                <a:solidFill>
-                  <a:srgbClr val="C00000"/>
-                </a:solidFill>
-                <a:latin typeface="Calibri" panose="020F0502020204030204" pitchFamily="34" charset="0"/>
-                <a:ea typeface="Calibri" panose="020F0502020204030204" pitchFamily="34" charset="0"/>
-                <a:cs typeface="Times New Roman" panose="02020603050405020304" pitchFamily="18" charset="0"/>
-              </a:rPr>
-              <a:t>if</a:t>
-            </a:r>
-            <a:endParaRPr lang="bg-BG" sz="2800" b="1" kern="100" dirty="0">
-              <a:ln w="22225">
-                <a:solidFill>
-                  <a:schemeClr val="accent2"/>
-                </a:solidFill>
-                <a:prstDash val="solid"/>
-              </a:ln>
-              <a:solidFill>
-                <a:srgbClr val="C00000"/>
-              </a:solidFill>
-              <a:latin typeface="Calibri" panose="020F0502020204030204" pitchFamily="34" charset="0"/>
-              <a:ea typeface="Calibri" panose="020F0502020204030204" pitchFamily="34" charset="0"/>
-              <a:cs typeface="Times New Roman" panose="02020603050405020304" pitchFamily="18" charset="0"/>
-            </a:endParaRPr>
+              <a:t>отпечатване на получените резултати след обработката;</a:t>
+            </a:r>
+            <a:endParaRPr lang="bg-BG" dirty="0"/>
           </a:p>
         </p:txBody>
       </p:sp>
     </p:spTree>
     <p:extLst>
       <p:ext uri="{BB962C8B-B14F-4D97-AF65-F5344CB8AC3E}">
-        <p14:creationId xmlns:p14="http://schemas.microsoft.com/office/powerpoint/2010/main" val="3806443777"/>
+        <p14:creationId xmlns:p14="http://schemas.microsoft.com/office/powerpoint/2010/main" val="4207677075"/>
       </p:ext>
     </p:extLst>
   </p:cSld>
@@ -7875,12 +8605,51 @@
           <a:chExt cx="0" cy="0"/>
         </a:xfrm>
       </p:grpSpPr>
+      <p:sp>
+        <p:nvSpPr>
+          <p:cNvPr id="2" name="Title 1">
+            <a:extLst>
+              <a:ext uri="{FF2B5EF4-FFF2-40B4-BE49-F238E27FC236}">
+                <a16:creationId xmlns:a16="http://schemas.microsoft.com/office/drawing/2014/main" id="{CD174F30-E98B-4925-2D4D-C350AB877C33}"/>
+              </a:ext>
+            </a:extLst>
+          </p:cNvPr>
+          <p:cNvSpPr>
+            <a:spLocks noGrp="1"/>
+          </p:cNvSpPr>
+          <p:nvPr>
+            <p:ph type="title"/>
+          </p:nvPr>
+        </p:nvSpPr>
+        <p:spPr/>
+        <p:txBody>
+          <a:bodyPr/>
+          <a:lstStyle/>
+          <a:p>
+            <a:r>
+              <a:rPr lang="bg-BG" b="1" dirty="0">
+                <a:ln w="22225">
+                  <a:solidFill>
+                    <a:schemeClr val="accent2"/>
+                  </a:solidFill>
+                  <a:prstDash val="solid"/>
+                </a:ln>
+                <a:solidFill>
+                  <a:srgbClr val="FF0000"/>
+                </a:solidFill>
+                <a:effectLst/>
+              </a:rPr>
+              <a:t>Извеждане на условието</a:t>
+            </a:r>
+          </a:p>
+        </p:txBody>
+      </p:sp>
       <p:pic>
         <p:nvPicPr>
-          <p:cNvPr id="6" name="Content Placeholder 5">
+          <p:cNvPr id="5" name="Content Placeholder 4">
             <a:extLst>
               <a:ext uri="{FF2B5EF4-FFF2-40B4-BE49-F238E27FC236}">
-                <a16:creationId xmlns:a16="http://schemas.microsoft.com/office/drawing/2014/main" xmlns="" id="{04E03F19-C372-FF18-F895-ED868E310E28}"/>
+                <a16:creationId xmlns:a16="http://schemas.microsoft.com/office/drawing/2014/main" id="{A955F153-DC41-4F62-1FE1-4621B0B67EBB}"/>
               </a:ext>
             </a:extLst>
           </p:cNvPr>
@@ -7899,8 +8668,8 @@
         </p:blipFill>
         <p:spPr>
           <a:xfrm>
-            <a:off x="2744682" y="2580164"/>
-            <a:ext cx="5802011" cy="2476468"/>
+            <a:off x="1571382" y="2249424"/>
+            <a:ext cx="9233965" cy="2656505"/>
           </a:xfrm>
           <a:prstGeom prst="rect">
             <a:avLst/>
@@ -7909,10 +8678,10 @@
       </p:pic>
       <p:sp>
         <p:nvSpPr>
-          <p:cNvPr id="9" name="Rectangle 8">
+          <p:cNvPr id="4" name="Rectangle 3">
             <a:extLst>
               <a:ext uri="{FF2B5EF4-FFF2-40B4-BE49-F238E27FC236}">
-                <a16:creationId xmlns:a16="http://schemas.microsoft.com/office/drawing/2014/main" xmlns="" id="{B6D2B5B3-5BAF-F719-E7F1-55ED1E3FF0A0}"/>
+                <a16:creationId xmlns:a16="http://schemas.microsoft.com/office/drawing/2014/main" id="{C5061A08-422B-A4D7-A334-70B9C7678AC0}"/>
               </a:ext>
             </a:extLst>
           </p:cNvPr>
@@ -7921,8 +8690,8 @@
         </p:nvSpPr>
         <p:spPr>
           <a:xfrm>
-            <a:off x="2744683" y="987553"/>
-            <a:ext cx="5802011" cy="646331"/>
+            <a:off x="6003634" y="2967335"/>
+            <a:ext cx="184731" cy="923330"/>
           </a:xfrm>
           <a:prstGeom prst="rect">
             <a:avLst/>
@@ -7930,85 +8699,13 @@
           <a:noFill/>
         </p:spPr>
         <p:txBody>
-          <a:bodyPr wrap="square" lIns="91440" tIns="45720" rIns="91440" bIns="45720">
+          <a:bodyPr wrap="none" lIns="91440" tIns="45720" rIns="91440" bIns="45720">
             <a:spAutoFit/>
           </a:bodyPr>
           <a:lstStyle/>
           <a:p>
             <a:pPr algn="ctr"/>
-            <a:r>
-              <a:rPr lang="bg-BG" sz="3600" b="1" kern="100" cap="none" spc="0" dirty="0">
-                <a:ln w="22225">
-                  <a:solidFill>
-                    <a:schemeClr val="accent2"/>
-                  </a:solidFill>
-                  <a:prstDash val="solid"/>
-                </a:ln>
-                <a:solidFill>
-                  <a:srgbClr val="C00000"/>
-                </a:solidFill>
-                <a:effectLst/>
-                <a:latin typeface="Calibri" panose="020F0502020204030204" pitchFamily="34" charset="0"/>
-                <a:ea typeface="Calibri" panose="020F0502020204030204" pitchFamily="34" charset="0"/>
-                <a:cs typeface="Times New Roman" panose="02020603050405020304" pitchFamily="18" charset="0"/>
-              </a:rPr>
-              <a:t>Деклариране на </a:t>
-            </a:r>
-            <a:r>
-              <a:rPr lang="en-US" sz="3600" b="1" kern="100" cap="none" spc="0" dirty="0">
-                <a:ln w="22225">
-                  <a:solidFill>
-                    <a:schemeClr val="accent2"/>
-                  </a:solidFill>
-                  <a:prstDash val="solid"/>
-                </a:ln>
-                <a:solidFill>
-                  <a:srgbClr val="C00000"/>
-                </a:solidFill>
-                <a:effectLst/>
-                <a:latin typeface="Calibri" panose="020F0502020204030204" pitchFamily="34" charset="0"/>
-                <a:ea typeface="Calibri" panose="020F0502020204030204" pitchFamily="34" charset="0"/>
-                <a:cs typeface="Times New Roman" panose="02020603050405020304" pitchFamily="18" charset="0"/>
-              </a:rPr>
-              <a:t>K,L </a:t>
-            </a:r>
-            <a:r>
-              <a:rPr lang="bg-BG" sz="3600" b="1" kern="100" cap="none" spc="0" dirty="0">
-                <a:ln w="22225">
-                  <a:solidFill>
-                    <a:schemeClr val="accent2"/>
-                  </a:solidFill>
-                  <a:prstDash val="solid"/>
-                </a:ln>
-                <a:solidFill>
-                  <a:srgbClr val="C00000"/>
-                </a:solidFill>
-                <a:effectLst/>
-                <a:latin typeface="Calibri" panose="020F0502020204030204" pitchFamily="34" charset="0"/>
-                <a:ea typeface="Calibri" panose="020F0502020204030204" pitchFamily="34" charset="0"/>
-                <a:cs typeface="Times New Roman" panose="02020603050405020304" pitchFamily="18" charset="0"/>
-              </a:rPr>
-              <a:t>и</a:t>
-            </a:r>
-            <a:r>
-              <a:rPr lang="en-US" sz="3600" b="1" kern="100" cap="none" spc="0" dirty="0">
-                <a:ln w="22225">
-                  <a:solidFill>
-                    <a:schemeClr val="accent2"/>
-                  </a:solidFill>
-                  <a:prstDash val="solid"/>
-                </a:ln>
-                <a:solidFill>
-                  <a:srgbClr val="C00000"/>
-                </a:solidFill>
-                <a:effectLst/>
-                <a:latin typeface="Calibri" panose="020F0502020204030204" pitchFamily="34" charset="0"/>
-                <a:ea typeface="Calibri" panose="020F0502020204030204" pitchFamily="34" charset="0"/>
-                <a:cs typeface="Times New Roman" panose="02020603050405020304" pitchFamily="18" charset="0"/>
-              </a:rPr>
-              <a:t> count</a:t>
-            </a:r>
-            <a:endParaRPr lang="bg-BG" sz="3600" b="1" cap="none" spc="0" dirty="0">
+            <a:endParaRPr lang="bg-BG" sz="5400" b="1" cap="none" spc="0" dirty="0">
               <a:ln w="22225">
                 <a:solidFill>
                   <a:schemeClr val="accent2"/>
@@ -8016,7 +8713,10 @@
                 <a:prstDash val="solid"/>
               </a:ln>
               <a:solidFill>
-                <a:srgbClr val="C00000"/>
+                <a:schemeClr val="accent2">
+                  <a:lumMod val="40000"/>
+                  <a:lumOff val="60000"/>
+                </a:schemeClr>
               </a:solidFill>
               <a:effectLst/>
             </a:endParaRPr>
@@ -8026,7 +8726,7 @@
     </p:spTree>
     <p:extLst>
       <p:ext uri="{BB962C8B-B14F-4D97-AF65-F5344CB8AC3E}">
-        <p14:creationId xmlns:p14="http://schemas.microsoft.com/office/powerpoint/2010/main" val="2016245625"/>
+        <p14:creationId xmlns:p14="http://schemas.microsoft.com/office/powerpoint/2010/main" val="3819624755"/>
       </p:ext>
     </p:extLst>
   </p:cSld>
@@ -8053,12 +8753,68 @@
           <a:chExt cx="0" cy="0"/>
         </a:xfrm>
       </p:grpSpPr>
+      <p:sp>
+        <p:nvSpPr>
+          <p:cNvPr id="2" name="Title 1">
+            <a:extLst>
+              <a:ext uri="{FF2B5EF4-FFF2-40B4-BE49-F238E27FC236}">
+                <a16:creationId xmlns:a16="http://schemas.microsoft.com/office/drawing/2014/main" id="{9AF50295-D790-87F9-AE20-92230A116479}"/>
+              </a:ext>
+            </a:extLst>
+          </p:cNvPr>
+          <p:cNvSpPr>
+            <a:spLocks noGrp="1"/>
+          </p:cNvSpPr>
+          <p:nvPr>
+            <p:ph type="title"/>
+          </p:nvPr>
+        </p:nvSpPr>
+        <p:spPr>
+          <a:xfrm>
+            <a:off x="730915" y="358811"/>
+            <a:ext cx="10353762" cy="970450"/>
+          </a:xfrm>
+        </p:spPr>
+        <p:txBody>
+          <a:bodyPr>
+            <a:normAutofit fontScale="90000"/>
+          </a:bodyPr>
+          <a:lstStyle/>
+          <a:p>
+            <a:pPr>
+              <a:lnSpc>
+                <a:spcPct val="107000"/>
+              </a:lnSpc>
+              <a:spcAft>
+                <a:spcPts val="800"/>
+              </a:spcAft>
+            </a:pPr>
+            <a:r>
+              <a:rPr lang="bg-BG" sz="4000" b="1" kern="100" dirty="0">
+                <a:ln w="22225">
+                  <a:solidFill>
+                    <a:schemeClr val="accent2"/>
+                  </a:solidFill>
+                  <a:prstDash val="solid"/>
+                </a:ln>
+                <a:solidFill>
+                  <a:srgbClr val="FF0000"/>
+                </a:solidFill>
+                <a:latin typeface="Calibri" panose="020F0502020204030204" pitchFamily="34" charset="0"/>
+                <a:ea typeface="Calibri" panose="020F0502020204030204" pitchFamily="34" charset="0"/>
+                <a:cs typeface="Times New Roman" panose="02020603050405020304" pitchFamily="18" charset="0"/>
+              </a:rPr>
+              <a:t>Деклариране  ма двуизмерен масив А и го попълваме с входните данни</a:t>
+            </a:r>
+          </a:p>
+        </p:txBody>
+      </p:sp>
       <p:pic>
         <p:nvPicPr>
-          <p:cNvPr id="6" name="Content Placeholder 5">
+          <p:cNvPr id="4" name="Content Placeholder 3">
             <a:extLst>
               <a:ext uri="{FF2B5EF4-FFF2-40B4-BE49-F238E27FC236}">
-                <a16:creationId xmlns:a16="http://schemas.microsoft.com/office/drawing/2014/main" xmlns="" id="{A518AB56-B34E-55F1-EE97-8BE465FB6CE3}"/>
+                <a16:creationId xmlns:a16="http://schemas.microsoft.com/office/drawing/2014/main" id="{95DA11FC-9E88-E405-0DEB-06DE42D9F9ED}"/>
               </a:ext>
             </a:extLst>
           </p:cNvPr>
@@ -8077,8 +8833,8 @@
         </p:blipFill>
         <p:spPr>
           <a:xfrm>
-            <a:off x="1721110" y="2300850"/>
-            <a:ext cx="7743946" cy="2810645"/>
+            <a:off x="2230162" y="2328949"/>
+            <a:ext cx="7520178" cy="3262144"/>
           </a:xfrm>
           <a:prstGeom prst="rect">
             <a:avLst/>
@@ -8087,10 +8843,10 @@
       </p:pic>
       <p:sp>
         <p:nvSpPr>
-          <p:cNvPr id="10" name="Rectangle 9">
+          <p:cNvPr id="3" name="Rectangle 2">
             <a:extLst>
               <a:ext uri="{FF2B5EF4-FFF2-40B4-BE49-F238E27FC236}">
-                <a16:creationId xmlns:a16="http://schemas.microsoft.com/office/drawing/2014/main" xmlns="" id="{3BE37B7F-AFD2-C0E9-576B-38F30C3467E3}"/>
+                <a16:creationId xmlns:a16="http://schemas.microsoft.com/office/drawing/2014/main" id="{83D04A9F-A6F5-8202-3ECD-143AD5C54090}"/>
               </a:ext>
             </a:extLst>
           </p:cNvPr>
@@ -8099,8 +8855,8 @@
         </p:nvSpPr>
         <p:spPr>
           <a:xfrm>
-            <a:off x="1528509" y="750250"/>
-            <a:ext cx="8129149" cy="646331"/>
+            <a:off x="2109141" y="3549734"/>
+            <a:ext cx="8351595" cy="1225464"/>
           </a:xfrm>
           <a:prstGeom prst="rect">
             <a:avLst/>
@@ -8108,27 +8864,20 @@
           <a:noFill/>
         </p:spPr>
         <p:txBody>
-          <a:bodyPr wrap="none" lIns="91440" tIns="45720" rIns="91440" bIns="45720">
+          <a:bodyPr wrap="square" lIns="91440" tIns="45720" rIns="91440" bIns="45720">
             <a:spAutoFit/>
           </a:bodyPr>
           <a:lstStyle/>
           <a:p>
-            <a:pPr algn="ctr"/>
-            <a:r>
-              <a:rPr lang="bg-BG" sz="3600" b="1" dirty="0">
-                <a:ln w="22225">
-                  <a:solidFill>
-                    <a:schemeClr val="accent2"/>
-                  </a:solidFill>
-                  <a:prstDash val="solid"/>
-                </a:ln>
-                <a:solidFill>
-                  <a:srgbClr val="C00000"/>
-                </a:solidFill>
-              </a:rPr>
-              <a:t>Преброяване размера на масива ни</a:t>
-            </a:r>
-            <a:endParaRPr lang="en-US" sz="3600" b="1" cap="none" spc="0" dirty="0">
+            <a:pPr>
+              <a:lnSpc>
+                <a:spcPct val="107000"/>
+              </a:lnSpc>
+              <a:spcAft>
+                <a:spcPts val="800"/>
+              </a:spcAft>
+            </a:pPr>
+            <a:endParaRPr lang="bg-BG" sz="3200" b="1" kern="100" dirty="0">
               <a:ln w="22225">
                 <a:solidFill>
                   <a:schemeClr val="accent2"/>
@@ -8136,9 +8885,41 @@
                 <a:prstDash val="solid"/>
               </a:ln>
               <a:solidFill>
-                <a:srgbClr val="C00000"/>
+                <a:schemeClr val="accent2">
+                  <a:lumMod val="40000"/>
+                  <a:lumOff val="60000"/>
+                </a:schemeClr>
               </a:solidFill>
-              <a:effectLst/>
+              <a:latin typeface="Calibri" panose="020F0502020204030204" pitchFamily="34" charset="0"/>
+              <a:ea typeface="Calibri" panose="020F0502020204030204" pitchFamily="34" charset="0"/>
+              <a:cs typeface="Times New Roman" panose="02020603050405020304" pitchFamily="18" charset="0"/>
+            </a:endParaRPr>
+          </a:p>
+          <a:p>
+            <a:pPr>
+              <a:lnSpc>
+                <a:spcPct val="107000"/>
+              </a:lnSpc>
+              <a:spcAft>
+                <a:spcPts val="800"/>
+              </a:spcAft>
+            </a:pPr>
+            <a:endParaRPr lang="bg-BG" sz="3200" b="1" kern="100" dirty="0">
+              <a:ln w="22225">
+                <a:solidFill>
+                  <a:schemeClr val="accent2"/>
+                </a:solidFill>
+                <a:prstDash val="solid"/>
+              </a:ln>
+              <a:solidFill>
+                <a:schemeClr val="accent2">
+                  <a:lumMod val="40000"/>
+                  <a:lumOff val="60000"/>
+                </a:schemeClr>
+              </a:solidFill>
+              <a:latin typeface="Calibri" panose="020F0502020204030204" pitchFamily="34" charset="0"/>
+              <a:ea typeface="Calibri" panose="020F0502020204030204" pitchFamily="34" charset="0"/>
+              <a:cs typeface="Times New Roman" panose="02020603050405020304" pitchFamily="18" charset="0"/>
             </a:endParaRPr>
           </a:p>
         </p:txBody>
@@ -8146,7 +8927,7 @@
     </p:spTree>
     <p:extLst>
       <p:ext uri="{BB962C8B-B14F-4D97-AF65-F5344CB8AC3E}">
-        <p14:creationId xmlns:p14="http://schemas.microsoft.com/office/powerpoint/2010/main" val="951015411"/>
+        <p14:creationId xmlns:p14="http://schemas.microsoft.com/office/powerpoint/2010/main" val="1250956703"/>
       </p:ext>
     </p:extLst>
   </p:cSld>
@@ -8178,7 +8959,7 @@
           <p:cNvPr id="4" name="Content Placeholder 3">
             <a:extLst>
               <a:ext uri="{FF2B5EF4-FFF2-40B4-BE49-F238E27FC236}">
-                <a16:creationId xmlns:a16="http://schemas.microsoft.com/office/drawing/2014/main" xmlns="" id="{03A25ED2-7697-837D-DED1-57259405E9FC}"/>
+                <a16:creationId xmlns:a16="http://schemas.microsoft.com/office/drawing/2014/main" id="{FA124841-C6AF-8D2D-A414-7E444A3EFDEB}"/>
               </a:ext>
             </a:extLst>
           </p:cNvPr>
@@ -8197,8 +8978,8 @@
         </p:blipFill>
         <p:spPr>
           <a:xfrm>
-            <a:off x="1992056" y="2268506"/>
-            <a:ext cx="6846672" cy="3007582"/>
+            <a:off x="2020824" y="2478024"/>
+            <a:ext cx="7357267" cy="2825496"/>
           </a:xfrm>
           <a:prstGeom prst="rect">
             <a:avLst/>
@@ -8210,7 +8991,7 @@
           <p:cNvPr id="5" name="Rectangle 4">
             <a:extLst>
               <a:ext uri="{FF2B5EF4-FFF2-40B4-BE49-F238E27FC236}">
-                <a16:creationId xmlns:a16="http://schemas.microsoft.com/office/drawing/2014/main" xmlns="" id="{FC3C2288-A655-DD5C-D13D-F08B86966C42}"/>
+                <a16:creationId xmlns:a16="http://schemas.microsoft.com/office/drawing/2014/main" id="{662223A1-CE6B-64EB-CB8B-DA8B5BFF86C3}"/>
               </a:ext>
             </a:extLst>
           </p:cNvPr>
@@ -8219,8 +9000,8 @@
         </p:nvSpPr>
         <p:spPr>
           <a:xfrm>
-            <a:off x="2386584" y="668747"/>
-            <a:ext cx="6958584" cy="646331"/>
+            <a:off x="1762965" y="512064"/>
+            <a:ext cx="7726680" cy="993926"/>
           </a:xfrm>
           <a:prstGeom prst="rect">
             <a:avLst/>
@@ -8233,9 +9014,16 @@
           </a:bodyPr>
           <a:lstStyle/>
           <a:p>
-            <a:pPr algn="ctr"/>
-            <a:r>
-              <a:rPr lang="bg-BG" sz="3600" b="1" cap="none" spc="0" dirty="0">
+            <a:pPr algn="ctr">
+              <a:lnSpc>
+                <a:spcPct val="107000"/>
+              </a:lnSpc>
+              <a:spcAft>
+                <a:spcPts val="800"/>
+              </a:spcAft>
+            </a:pPr>
+            <a:r>
+              <a:rPr lang="bg-BG" sz="2800" b="1" kern="100" dirty="0">
                 <a:ln w="22225">
                   <a:solidFill>
                     <a:schemeClr val="accent2"/>
@@ -8245,11 +9033,64 @@
                 <a:solidFill>
                   <a:srgbClr val="C00000"/>
                 </a:solidFill>
-                <a:effectLst/>
+                <a:latin typeface="Calibri" panose="020F0502020204030204" pitchFamily="34" charset="0"/>
+                <a:ea typeface="Calibri" panose="020F0502020204030204" pitchFamily="34" charset="0"/>
+                <a:cs typeface="Times New Roman" panose="02020603050405020304" pitchFamily="18" charset="0"/>
               </a:rPr>
-              <a:t>Добавяме числата към масива</a:t>
-            </a:r>
-            <a:endParaRPr lang="en-US" sz="3600" b="1" cap="none" spc="0" dirty="0">
+              <a:t>Отпечатване на масива, чрез използване на цикъл </a:t>
+            </a:r>
+            <a:r>
+              <a:rPr lang="en-US" sz="2800" b="1" kern="100" dirty="0">
+                <a:ln w="22225">
+                  <a:solidFill>
+                    <a:schemeClr val="accent2"/>
+                  </a:solidFill>
+                  <a:prstDash val="solid"/>
+                </a:ln>
+                <a:solidFill>
+                  <a:srgbClr val="C00000"/>
+                </a:solidFill>
+                <a:latin typeface="Calibri" panose="020F0502020204030204" pitchFamily="34" charset="0"/>
+                <a:ea typeface="Calibri" panose="020F0502020204030204" pitchFamily="34" charset="0"/>
+                <a:cs typeface="Times New Roman" panose="02020603050405020304" pitchFamily="18" charset="0"/>
+              </a:rPr>
+              <a:t>for </a:t>
+            </a:r>
+            <a:r>
+              <a:rPr lang="bg-BG" sz="2800" b="1" kern="100" dirty="0">
+                <a:ln w="22225">
+                  <a:solidFill>
+                    <a:schemeClr val="accent2"/>
+                  </a:solidFill>
+                  <a:prstDash val="solid"/>
+                </a:ln>
+                <a:solidFill>
+                  <a:srgbClr val="C00000"/>
+                </a:solidFill>
+                <a:latin typeface="Calibri" panose="020F0502020204030204" pitchFamily="34" charset="0"/>
+                <a:ea typeface="Calibri" panose="020F0502020204030204" pitchFamily="34" charset="0"/>
+                <a:cs typeface="Times New Roman" panose="02020603050405020304" pitchFamily="18" charset="0"/>
+              </a:rPr>
+              <a:t>и </a:t>
+            </a:r>
+            <a:r>
+              <a:rPr lang="en-US" sz="2800" b="1" kern="100" dirty="0">
+                <a:ln w="22225">
+                  <a:solidFill>
+                    <a:schemeClr val="accent2"/>
+                  </a:solidFill>
+                  <a:prstDash val="solid"/>
+                </a:ln>
+                <a:solidFill>
+                  <a:srgbClr val="C00000"/>
+                </a:solidFill>
+                <a:latin typeface="Calibri" panose="020F0502020204030204" pitchFamily="34" charset="0"/>
+                <a:ea typeface="Calibri" panose="020F0502020204030204" pitchFamily="34" charset="0"/>
+                <a:cs typeface="Times New Roman" panose="02020603050405020304" pitchFamily="18" charset="0"/>
+              </a:rPr>
+              <a:t>if</a:t>
+            </a:r>
+            <a:endParaRPr lang="bg-BG" sz="2800" b="1" kern="100" dirty="0">
               <a:ln w="22225">
                 <a:solidFill>
                   <a:schemeClr val="accent2"/>
@@ -8259,7 +9100,9 @@
               <a:solidFill>
                 <a:srgbClr val="C00000"/>
               </a:solidFill>
-              <a:effectLst/>
+              <a:latin typeface="Calibri" panose="020F0502020204030204" pitchFamily="34" charset="0"/>
+              <a:ea typeface="Calibri" panose="020F0502020204030204" pitchFamily="34" charset="0"/>
+              <a:cs typeface="Times New Roman" panose="02020603050405020304" pitchFamily="18" charset="0"/>
             </a:endParaRPr>
           </a:p>
         </p:txBody>
@@ -8267,7 +9110,7 @@
     </p:spTree>
     <p:extLst>
       <p:ext uri="{BB962C8B-B14F-4D97-AF65-F5344CB8AC3E}">
-        <p14:creationId xmlns:p14="http://schemas.microsoft.com/office/powerpoint/2010/main" val="617240322"/>
+        <p14:creationId xmlns:p14="http://schemas.microsoft.com/office/powerpoint/2010/main" val="3806443777"/>
       </p:ext>
     </p:extLst>
   </p:cSld>
@@ -8299,7 +9142,7 @@
           <p:cNvPr id="6" name="Content Placeholder 5">
             <a:extLst>
               <a:ext uri="{FF2B5EF4-FFF2-40B4-BE49-F238E27FC236}">
-                <a16:creationId xmlns:a16="http://schemas.microsoft.com/office/drawing/2014/main" xmlns="" id="{CF2F30AB-5E86-5632-87B7-3B409A5050A0}"/>
+                <a16:creationId xmlns:a16="http://schemas.microsoft.com/office/drawing/2014/main" id="{04E03F19-C372-FF18-F895-ED868E310E28}"/>
               </a:ext>
             </a:extLst>
           </p:cNvPr>
@@ -8318,8 +9161,8 @@
         </p:blipFill>
         <p:spPr>
           <a:xfrm>
-            <a:off x="2273046" y="2677175"/>
-            <a:ext cx="6688074" cy="2466104"/>
+            <a:off x="2744682" y="2580164"/>
+            <a:ext cx="5802011" cy="2476468"/>
           </a:xfrm>
           <a:prstGeom prst="rect">
             <a:avLst/>
@@ -8328,10 +9171,10 @@
       </p:pic>
       <p:sp>
         <p:nvSpPr>
-          <p:cNvPr id="7" name="Rectangle 6">
+          <p:cNvPr id="9" name="Rectangle 8">
             <a:extLst>
               <a:ext uri="{FF2B5EF4-FFF2-40B4-BE49-F238E27FC236}">
-                <a16:creationId xmlns:a16="http://schemas.microsoft.com/office/drawing/2014/main" xmlns="" id="{4807844D-0E6D-9DEF-8E9A-6708542D9A38}"/>
+                <a16:creationId xmlns:a16="http://schemas.microsoft.com/office/drawing/2014/main" id="{B6D2B5B3-5BAF-F719-E7F1-55ED1E3FF0A0}"/>
               </a:ext>
             </a:extLst>
           </p:cNvPr>
@@ -8340,8 +9183,8 @@
         </p:nvSpPr>
         <p:spPr>
           <a:xfrm>
-            <a:off x="879732" y="909935"/>
-            <a:ext cx="10432536" cy="595932"/>
+            <a:off x="2744683" y="987553"/>
+            <a:ext cx="5802011" cy="646331"/>
           </a:xfrm>
           <a:prstGeom prst="rect">
             <a:avLst/>
@@ -8349,21 +9192,14 @@
           <a:noFill/>
         </p:spPr>
         <p:txBody>
-          <a:bodyPr wrap="none" lIns="91440" tIns="45720" rIns="91440" bIns="45720">
+          <a:bodyPr wrap="square" lIns="91440" tIns="45720" rIns="91440" bIns="45720">
             <a:spAutoFit/>
           </a:bodyPr>
           <a:lstStyle/>
           <a:p>
-            <a:pPr>
-              <a:lnSpc>
-                <a:spcPct val="107000"/>
-              </a:lnSpc>
-              <a:spcAft>
-                <a:spcPts val="800"/>
-              </a:spcAft>
-            </a:pPr>
-            <a:r>
-              <a:rPr lang="bg-BG" sz="3200" b="1" kern="100" dirty="0">
+            <a:pPr algn="ctr"/>
+            <a:r>
+              <a:rPr lang="bg-BG" sz="3600" b="1" kern="100" cap="none" spc="0" dirty="0">
                 <a:ln w="22225">
                   <a:solidFill>
                     <a:schemeClr val="accent2"/>
@@ -8373,14 +9209,15 @@
                 <a:solidFill>
                   <a:srgbClr val="C00000"/>
                 </a:solidFill>
+                <a:effectLst/>
                 <a:latin typeface="Calibri" panose="020F0502020204030204" pitchFamily="34" charset="0"/>
                 <a:ea typeface="Calibri" panose="020F0502020204030204" pitchFamily="34" charset="0"/>
                 <a:cs typeface="Times New Roman" panose="02020603050405020304" pitchFamily="18" charset="0"/>
               </a:rPr>
-              <a:t>Използваме </a:t>
-            </a:r>
-            <a:r>
-              <a:rPr lang="en-US" sz="3200" b="1" kern="100" dirty="0">
+              <a:t>Деклариране на </a:t>
+            </a:r>
+            <a:r>
+              <a:rPr lang="en-US" sz="3600" b="1" kern="100" cap="none" spc="0" dirty="0">
                 <a:ln w="22225">
                   <a:solidFill>
                     <a:schemeClr val="accent2"/>
@@ -8390,14 +9227,15 @@
                 <a:solidFill>
                   <a:srgbClr val="C00000"/>
                 </a:solidFill>
+                <a:effectLst/>
                 <a:latin typeface="Calibri" panose="020F0502020204030204" pitchFamily="34" charset="0"/>
                 <a:ea typeface="Calibri" panose="020F0502020204030204" pitchFamily="34" charset="0"/>
                 <a:cs typeface="Times New Roman" panose="02020603050405020304" pitchFamily="18" charset="0"/>
               </a:rPr>
-              <a:t>Bubble Sort</a:t>
-            </a:r>
-            <a:r>
-              <a:rPr lang="bg-BG" sz="3200" b="1" kern="100" dirty="0">
+              <a:t>K,L </a:t>
+            </a:r>
+            <a:r>
+              <a:rPr lang="bg-BG" sz="3600" b="1" kern="100" cap="none" spc="0" dirty="0">
                 <a:ln w="22225">
                   <a:solidFill>
                     <a:schemeClr val="accent2"/>
@@ -8407,19 +9245,50 @@
                 <a:solidFill>
                   <a:srgbClr val="C00000"/>
                 </a:solidFill>
+                <a:effectLst/>
                 <a:latin typeface="Calibri" panose="020F0502020204030204" pitchFamily="34" charset="0"/>
                 <a:ea typeface="Calibri" panose="020F0502020204030204" pitchFamily="34" charset="0"/>
                 <a:cs typeface="Times New Roman" panose="02020603050405020304" pitchFamily="18" charset="0"/>
               </a:rPr>
-              <a:t>, за да го подредим  по-големина</a:t>
-            </a:r>
+              <a:t>и</a:t>
+            </a:r>
+            <a:r>
+              <a:rPr lang="en-US" sz="3600" b="1" kern="100" cap="none" spc="0" dirty="0">
+                <a:ln w="22225">
+                  <a:solidFill>
+                    <a:schemeClr val="accent2"/>
+                  </a:solidFill>
+                  <a:prstDash val="solid"/>
+                </a:ln>
+                <a:solidFill>
+                  <a:srgbClr val="C00000"/>
+                </a:solidFill>
+                <a:effectLst/>
+                <a:latin typeface="Calibri" panose="020F0502020204030204" pitchFamily="34" charset="0"/>
+                <a:ea typeface="Calibri" panose="020F0502020204030204" pitchFamily="34" charset="0"/>
+                <a:cs typeface="Times New Roman" panose="02020603050405020304" pitchFamily="18" charset="0"/>
+              </a:rPr>
+              <a:t> count</a:t>
+            </a:r>
+            <a:endParaRPr lang="bg-BG" sz="3600" b="1" cap="none" spc="0" dirty="0">
+              <a:ln w="22225">
+                <a:solidFill>
+                  <a:schemeClr val="accent2"/>
+                </a:solidFill>
+                <a:prstDash val="solid"/>
+              </a:ln>
+              <a:solidFill>
+                <a:srgbClr val="C00000"/>
+              </a:solidFill>
+              <a:effectLst/>
+            </a:endParaRPr>
           </a:p>
         </p:txBody>
       </p:sp>
     </p:spTree>
     <p:extLst>
       <p:ext uri="{BB962C8B-B14F-4D97-AF65-F5344CB8AC3E}">
-        <p14:creationId xmlns:p14="http://schemas.microsoft.com/office/powerpoint/2010/main" val="2528564687"/>
+        <p14:creationId xmlns:p14="http://schemas.microsoft.com/office/powerpoint/2010/main" val="2016245625"/>
       </p:ext>
     </p:extLst>
   </p:cSld>
@@ -8665,7 +9534,7 @@
   <a:extraClrSchemeLst/>
   <a:extLst>
     <a:ext uri="{05A4C25C-085E-4340-85A3-A5531E510DB2}">
-      <thm15:themeFamily xmlns:thm15="http://schemas.microsoft.com/office/thememl/2012/main" xmlns="" name="Slate" id="{C3F70B94-7CE9-428E-ADC1-3269CC2C3385}" vid="{3F2DE9A5-64E6-437C-A389-CC4477E817E8}"/>
+      <thm15:themeFamily xmlns:thm15="http://schemas.microsoft.com/office/thememl/2012/main" name="Slate" id="{C3F70B94-7CE9-428E-ADC1-3269CC2C3385}" vid="{3F2DE9A5-64E6-437C-A389-CC4477E817E8}"/>
     </a:ext>
   </a:extLst>
 </a:theme>
